--- a/presentation/NLP SubReddit Classification.pptx
+++ b/presentation/NLP SubReddit Classification.pptx
@@ -20,6 +20,9 @@
     <p:sldId id="265" r:id="rId16"/>
     <p:sldId id="266" r:id="rId17"/>
     <p:sldId id="267" r:id="rId18"/>
+    <p:sldId id="268" r:id="rId19"/>
+    <p:sldId id="269" r:id="rId20"/>
+    <p:sldId id="270" r:id="rId21"/>
   </p:sldIdLst>
   <p:sldSz cy="5143500" cx="9144000"/>
   <p:notesSz cx="6858000" cy="9144000"/>
@@ -801,7 +804,7 @@
   <p:cSld>
     <p:spTree>
       <p:nvGrpSpPr>
-        <p:cNvPr id="168" name="Shape 168"/>
+        <p:cNvPr id="190" name="Shape 190"/>
         <p:cNvGrpSpPr/>
         <p:nvPr/>
       </p:nvGrpSpPr>
@@ -815,7 +818,7 @@
       </p:grpSpPr>
       <p:sp>
         <p:nvSpPr>
-          <p:cNvPr id="169" name="Google Shape;169;g142db5e9dbb_0_280:notes"/>
+          <p:cNvPr id="191" name="Google Shape;191;g14551f464a8_0_5:notes"/>
           <p:cNvSpPr/>
           <p:nvPr>
             <p:ph idx="2" type="sldImg"/>
@@ -850,7 +853,7 @@
       </p:sp>
       <p:sp>
         <p:nvSpPr>
-          <p:cNvPr id="170" name="Google Shape;170;g142db5e9dbb_0_280:notes"/>
+          <p:cNvPr id="192" name="Google Shape;192;g14551f464a8_0_5:notes"/>
           <p:cNvSpPr txBox="1"/>
           <p:nvPr>
             <p:ph idx="1" type="body"/>
@@ -900,7 +903,7 @@
   <p:cSld>
     <p:spTree>
       <p:nvGrpSpPr>
-        <p:cNvPr id="181" name="Shape 181"/>
+        <p:cNvPr id="203" name="Shape 203"/>
         <p:cNvGrpSpPr/>
         <p:nvPr/>
       </p:nvGrpSpPr>
@@ -914,7 +917,7 @@
       </p:grpSpPr>
       <p:sp>
         <p:nvSpPr>
-          <p:cNvPr id="182" name="Google Shape;182;g142db5e9dbb_0_292:notes"/>
+          <p:cNvPr id="204" name="Google Shape;204;g142db5e9dbb_0_280:notes"/>
           <p:cNvSpPr/>
           <p:nvPr>
             <p:ph idx="2" type="sldImg"/>
@@ -949,7 +952,7 @@
       </p:sp>
       <p:sp>
         <p:nvSpPr>
-          <p:cNvPr id="183" name="Google Shape;183;g142db5e9dbb_0_292:notes"/>
+          <p:cNvPr id="205" name="Google Shape;205;g142db5e9dbb_0_280:notes"/>
           <p:cNvSpPr txBox="1"/>
           <p:nvPr>
             <p:ph idx="1" type="body"/>
@@ -999,7 +1002,7 @@
   <p:cSld>
     <p:spTree>
       <p:nvGrpSpPr>
-        <p:cNvPr id="197" name="Shape 197"/>
+        <p:cNvPr id="218" name="Shape 218"/>
         <p:cNvGrpSpPr/>
         <p:nvPr/>
       </p:nvGrpSpPr>
@@ -1013,7 +1016,7 @@
       </p:grpSpPr>
       <p:sp>
         <p:nvSpPr>
-          <p:cNvPr id="198" name="Google Shape;198;g14295e4863c_0_26:notes"/>
+          <p:cNvPr id="219" name="Google Shape;219;g142db5e9dbb_0_292:notes"/>
           <p:cNvSpPr/>
           <p:nvPr>
             <p:ph idx="2" type="sldImg"/>
@@ -1048,7 +1051,304 @@
       </p:sp>
       <p:sp>
         <p:nvSpPr>
-          <p:cNvPr id="199" name="Google Shape;199;g14295e4863c_0_26:notes"/>
+          <p:cNvPr id="220" name="Google Shape;220;g142db5e9dbb_0_292:notes"/>
+          <p:cNvSpPr txBox="1"/>
+          <p:nvPr>
+            <p:ph idx="1" type="body"/>
+          </p:nvPr>
+        </p:nvSpPr>
+        <p:spPr>
+          <a:xfrm>
+            <a:off x="685800" y="4343400"/>
+            <a:ext cx="5486400" cy="4114800"/>
+          </a:xfrm>
+          <a:prstGeom prst="rect">
+            <a:avLst/>
+          </a:prstGeom>
+        </p:spPr>
+        <p:txBody>
+          <a:bodyPr anchorCtr="0" anchor="t" bIns="91425" lIns="91425" spcFirstLastPara="1" rIns="91425" wrap="square" tIns="91425">
+            <a:noAutofit/>
+          </a:bodyPr>
+          <a:lstStyle/>
+          <a:p>
+            <a:pPr indent="0" lvl="0" marL="0" rtl="0" algn="l">
+              <a:spcBef>
+                <a:spcPts val="0"/>
+              </a:spcBef>
+              <a:spcAft>
+                <a:spcPts val="0"/>
+              </a:spcAft>
+              <a:buNone/>
+            </a:pPr>
+            <a:r>
+              <a:t/>
+            </a:r>
+            <a:endParaRPr/>
+          </a:p>
+        </p:txBody>
+      </p:sp>
+    </p:spTree>
+  </p:cSld>
+  <p:clrMapOvr>
+    <a:masterClrMapping/>
+  </p:clrMapOvr>
+</p:notes>
+</file>
+
+<file path=ppt/notesSlides/notesSlide13.xml><?xml version="1.0" encoding="utf-8"?>
+<p:notes xmlns:a="http://schemas.openxmlformats.org/drawingml/2006/main" xmlns:r="http://schemas.openxmlformats.org/officeDocument/2006/relationships" xmlns:mc="http://schemas.openxmlformats.org/markup-compatibility/2006" xmlns:mv="urn:schemas-microsoft-com:mac:vml" xmlns:p="http://schemas.openxmlformats.org/presentationml/2006/main" xmlns:c="http://schemas.openxmlformats.org/drawingml/2006/chart" xmlns:dgm="http://schemas.openxmlformats.org/drawingml/2006/diagram" xmlns:o="urn:schemas-microsoft-com:office:office" xmlns:v="urn:schemas-microsoft-com:vml" xmlns:pvml="urn:schemas-microsoft-com:office:powerpoint" xmlns:com="http://schemas.openxmlformats.org/drawingml/2006/compatibility" xmlns:p14="http://schemas.microsoft.com/office/powerpoint/2010/main" xmlns:p15="http://schemas.microsoft.com/office/powerpoint/2012/main" xmlns:ahyp="http://schemas.microsoft.com/office/drawing/2018/hyperlinkcolor" showMasterPhAnim="0" showMasterSp="0">
+  <p:cSld>
+    <p:spTree>
+      <p:nvGrpSpPr>
+        <p:cNvPr id="234" name="Shape 234"/>
+        <p:cNvGrpSpPr/>
+        <p:nvPr/>
+      </p:nvGrpSpPr>
+      <p:grpSpPr>
+        <a:xfrm>
+          <a:off x="0" y="0"/>
+          <a:ext cx="0" cy="0"/>
+          <a:chOff x="0" y="0"/>
+          <a:chExt cx="0" cy="0"/>
+        </a:xfrm>
+      </p:grpSpPr>
+      <p:sp>
+        <p:nvSpPr>
+          <p:cNvPr id="235" name="Google Shape;235;g14295e4863c_0_26:notes"/>
+          <p:cNvSpPr/>
+          <p:nvPr>
+            <p:ph idx="2" type="sldImg"/>
+          </p:nvPr>
+        </p:nvSpPr>
+        <p:spPr>
+          <a:xfrm>
+            <a:off x="381300" y="685800"/>
+            <a:ext cx="6096000" cy="3429000"/>
+          </a:xfrm>
+          <a:custGeom>
+            <a:rect b="b" l="l" r="r" t="t"/>
+            <a:pathLst>
+              <a:path extrusionOk="0" h="120000" w="120000">
+                <a:moveTo>
+                  <a:pt x="0" y="0"/>
+                </a:moveTo>
+                <a:lnTo>
+                  <a:pt x="120000" y="0"/>
+                </a:lnTo>
+                <a:lnTo>
+                  <a:pt x="120000" y="120000"/>
+                </a:lnTo>
+                <a:lnTo>
+                  <a:pt x="0" y="120000"/>
+                </a:lnTo>
+                <a:close/>
+              </a:path>
+            </a:pathLst>
+          </a:custGeom>
+        </p:spPr>
+      </p:sp>
+      <p:sp>
+        <p:nvSpPr>
+          <p:cNvPr id="236" name="Google Shape;236;g14295e4863c_0_26:notes"/>
+          <p:cNvSpPr txBox="1"/>
+          <p:nvPr>
+            <p:ph idx="1" type="body"/>
+          </p:nvPr>
+        </p:nvSpPr>
+        <p:spPr>
+          <a:xfrm>
+            <a:off x="685800" y="4343400"/>
+            <a:ext cx="5486400" cy="4114800"/>
+          </a:xfrm>
+          <a:prstGeom prst="rect">
+            <a:avLst/>
+          </a:prstGeom>
+        </p:spPr>
+        <p:txBody>
+          <a:bodyPr anchorCtr="0" anchor="t" bIns="91425" lIns="91425" spcFirstLastPara="1" rIns="91425" wrap="square" tIns="91425">
+            <a:noAutofit/>
+          </a:bodyPr>
+          <a:lstStyle/>
+          <a:p>
+            <a:pPr indent="0" lvl="0" marL="0" rtl="0" algn="l">
+              <a:spcBef>
+                <a:spcPts val="0"/>
+              </a:spcBef>
+              <a:spcAft>
+                <a:spcPts val="0"/>
+              </a:spcAft>
+              <a:buNone/>
+            </a:pPr>
+            <a:r>
+              <a:t/>
+            </a:r>
+            <a:endParaRPr/>
+          </a:p>
+        </p:txBody>
+      </p:sp>
+    </p:spTree>
+  </p:cSld>
+  <p:clrMapOvr>
+    <a:masterClrMapping/>
+  </p:clrMapOvr>
+</p:notes>
+</file>
+
+<file path=ppt/notesSlides/notesSlide14.xml><?xml version="1.0" encoding="utf-8"?>
+<p:notes xmlns:a="http://schemas.openxmlformats.org/drawingml/2006/main" xmlns:r="http://schemas.openxmlformats.org/officeDocument/2006/relationships" xmlns:mc="http://schemas.openxmlformats.org/markup-compatibility/2006" xmlns:mv="urn:schemas-microsoft-com:mac:vml" xmlns:p="http://schemas.openxmlformats.org/presentationml/2006/main" xmlns:c="http://schemas.openxmlformats.org/drawingml/2006/chart" xmlns:dgm="http://schemas.openxmlformats.org/drawingml/2006/diagram" xmlns:o="urn:schemas-microsoft-com:office:office" xmlns:v="urn:schemas-microsoft-com:vml" xmlns:pvml="urn:schemas-microsoft-com:office:powerpoint" xmlns:com="http://schemas.openxmlformats.org/drawingml/2006/compatibility" xmlns:p14="http://schemas.microsoft.com/office/powerpoint/2010/main" xmlns:p15="http://schemas.microsoft.com/office/powerpoint/2012/main" xmlns:ahyp="http://schemas.microsoft.com/office/drawing/2018/hyperlinkcolor" showMasterPhAnim="0" showMasterSp="0">
+  <p:cSld>
+    <p:spTree>
+      <p:nvGrpSpPr>
+        <p:cNvPr id="240" name="Shape 240"/>
+        <p:cNvGrpSpPr/>
+        <p:nvPr/>
+      </p:nvGrpSpPr>
+      <p:grpSpPr>
+        <a:xfrm>
+          <a:off x="0" y="0"/>
+          <a:ext cx="0" cy="0"/>
+          <a:chOff x="0" y="0"/>
+          <a:chExt cx="0" cy="0"/>
+        </a:xfrm>
+      </p:grpSpPr>
+      <p:sp>
+        <p:nvSpPr>
+          <p:cNvPr id="241" name="Google Shape;241;g14400c9921b_1_5:notes"/>
+          <p:cNvSpPr/>
+          <p:nvPr>
+            <p:ph idx="2" type="sldImg"/>
+          </p:nvPr>
+        </p:nvSpPr>
+        <p:spPr>
+          <a:xfrm>
+            <a:off x="381300" y="685800"/>
+            <a:ext cx="6096000" cy="3429000"/>
+          </a:xfrm>
+          <a:custGeom>
+            <a:rect b="b" l="l" r="r" t="t"/>
+            <a:pathLst>
+              <a:path extrusionOk="0" h="120000" w="120000">
+                <a:moveTo>
+                  <a:pt x="0" y="0"/>
+                </a:moveTo>
+                <a:lnTo>
+                  <a:pt x="120000" y="0"/>
+                </a:lnTo>
+                <a:lnTo>
+                  <a:pt x="120000" y="120000"/>
+                </a:lnTo>
+                <a:lnTo>
+                  <a:pt x="0" y="120000"/>
+                </a:lnTo>
+                <a:close/>
+              </a:path>
+            </a:pathLst>
+          </a:custGeom>
+        </p:spPr>
+      </p:sp>
+      <p:sp>
+        <p:nvSpPr>
+          <p:cNvPr id="242" name="Google Shape;242;g14400c9921b_1_5:notes"/>
+          <p:cNvSpPr txBox="1"/>
+          <p:nvPr>
+            <p:ph idx="1" type="body"/>
+          </p:nvPr>
+        </p:nvSpPr>
+        <p:spPr>
+          <a:xfrm>
+            <a:off x="685800" y="4343400"/>
+            <a:ext cx="5486400" cy="4114800"/>
+          </a:xfrm>
+          <a:prstGeom prst="rect">
+            <a:avLst/>
+          </a:prstGeom>
+        </p:spPr>
+        <p:txBody>
+          <a:bodyPr anchorCtr="0" anchor="t" bIns="91425" lIns="91425" spcFirstLastPara="1" rIns="91425" wrap="square" tIns="91425">
+            <a:noAutofit/>
+          </a:bodyPr>
+          <a:lstStyle/>
+          <a:p>
+            <a:pPr indent="0" lvl="0" marL="0" rtl="0" algn="l">
+              <a:spcBef>
+                <a:spcPts val="0"/>
+              </a:spcBef>
+              <a:spcAft>
+                <a:spcPts val="0"/>
+              </a:spcAft>
+              <a:buNone/>
+            </a:pPr>
+            <a:r>
+              <a:t/>
+            </a:r>
+            <a:endParaRPr/>
+          </a:p>
+        </p:txBody>
+      </p:sp>
+    </p:spTree>
+  </p:cSld>
+  <p:clrMapOvr>
+    <a:masterClrMapping/>
+  </p:clrMapOvr>
+</p:notes>
+</file>
+
+<file path=ppt/notesSlides/notesSlide15.xml><?xml version="1.0" encoding="utf-8"?>
+<p:notes xmlns:a="http://schemas.openxmlformats.org/drawingml/2006/main" xmlns:r="http://schemas.openxmlformats.org/officeDocument/2006/relationships" xmlns:mc="http://schemas.openxmlformats.org/markup-compatibility/2006" xmlns:mv="urn:schemas-microsoft-com:mac:vml" xmlns:p="http://schemas.openxmlformats.org/presentationml/2006/main" xmlns:c="http://schemas.openxmlformats.org/drawingml/2006/chart" xmlns:dgm="http://schemas.openxmlformats.org/drawingml/2006/diagram" xmlns:o="urn:schemas-microsoft-com:office:office" xmlns:v="urn:schemas-microsoft-com:vml" xmlns:pvml="urn:schemas-microsoft-com:office:powerpoint" xmlns:com="http://schemas.openxmlformats.org/drawingml/2006/compatibility" xmlns:p14="http://schemas.microsoft.com/office/powerpoint/2010/main" xmlns:p15="http://schemas.microsoft.com/office/powerpoint/2012/main" xmlns:ahyp="http://schemas.microsoft.com/office/drawing/2018/hyperlinkcolor" showMasterPhAnim="0" showMasterSp="0">
+  <p:cSld>
+    <p:spTree>
+      <p:nvGrpSpPr>
+        <p:cNvPr id="246" name="Shape 246"/>
+        <p:cNvGrpSpPr/>
+        <p:nvPr/>
+      </p:nvGrpSpPr>
+      <p:grpSpPr>
+        <a:xfrm>
+          <a:off x="0" y="0"/>
+          <a:ext cx="0" cy="0"/>
+          <a:chOff x="0" y="0"/>
+          <a:chExt cx="0" cy="0"/>
+        </a:xfrm>
+      </p:grpSpPr>
+      <p:sp>
+        <p:nvSpPr>
+          <p:cNvPr id="247" name="Google Shape;247;g145650fafa5_0_0:notes"/>
+          <p:cNvSpPr/>
+          <p:nvPr>
+            <p:ph idx="2" type="sldImg"/>
+          </p:nvPr>
+        </p:nvSpPr>
+        <p:spPr>
+          <a:xfrm>
+            <a:off x="381300" y="685800"/>
+            <a:ext cx="6096000" cy="3429000"/>
+          </a:xfrm>
+          <a:custGeom>
+            <a:rect b="b" l="l" r="r" t="t"/>
+            <a:pathLst>
+              <a:path extrusionOk="0" h="120000" w="120000">
+                <a:moveTo>
+                  <a:pt x="0" y="0"/>
+                </a:moveTo>
+                <a:lnTo>
+                  <a:pt x="120000" y="0"/>
+                </a:lnTo>
+                <a:lnTo>
+                  <a:pt x="120000" y="120000"/>
+                </a:lnTo>
+                <a:lnTo>
+                  <a:pt x="0" y="120000"/>
+                </a:lnTo>
+                <a:close/>
+              </a:path>
+            </a:pathLst>
+          </a:custGeom>
+        </p:spPr>
+      </p:sp>
+      <p:sp>
+        <p:nvSpPr>
+          <p:cNvPr id="248" name="Google Shape;248;g145650fafa5_0_0:notes"/>
           <p:cNvSpPr txBox="1"/>
           <p:nvPr>
             <p:ph idx="1" type="body"/>
@@ -1692,7 +1992,7 @@
   <p:cSld>
     <p:spTree>
       <p:nvGrpSpPr>
-        <p:cNvPr id="142" name="Shape 142"/>
+        <p:cNvPr id="163" name="Shape 163"/>
         <p:cNvGrpSpPr/>
         <p:nvPr/>
       </p:nvGrpSpPr>
@@ -1706,7 +2006,7 @@
       </p:grpSpPr>
       <p:sp>
         <p:nvSpPr>
-          <p:cNvPr id="143" name="Google Shape;143;g142db5e9dbb_0_247:notes"/>
+          <p:cNvPr id="164" name="Google Shape;164;g142db5e9dbb_0_247:notes"/>
           <p:cNvSpPr/>
           <p:nvPr>
             <p:ph idx="2" type="sldImg"/>
@@ -1741,7 +2041,7 @@
       </p:sp>
       <p:sp>
         <p:nvSpPr>
-          <p:cNvPr id="144" name="Google Shape;144;g142db5e9dbb_0_247:notes"/>
+          <p:cNvPr id="165" name="Google Shape;165;g142db5e9dbb_0_247:notes"/>
           <p:cNvSpPr txBox="1"/>
           <p:nvPr>
             <p:ph idx="1" type="body"/>
@@ -1791,7 +2091,7 @@
   <p:cSld>
     <p:spTree>
       <p:nvGrpSpPr>
-        <p:cNvPr id="155" name="Shape 155"/>
+        <p:cNvPr id="177" name="Shape 177"/>
         <p:cNvGrpSpPr/>
         <p:nvPr/>
       </p:nvGrpSpPr>
@@ -1805,7 +2105,7 @@
       </p:grpSpPr>
       <p:sp>
         <p:nvSpPr>
-          <p:cNvPr id="156" name="Google Shape;156;g142db5e9dbb_0_259:notes"/>
+          <p:cNvPr id="178" name="Google Shape;178;g142db5e9dbb_0_259:notes"/>
           <p:cNvSpPr/>
           <p:nvPr>
             <p:ph idx="2" type="sldImg"/>
@@ -1840,7 +2140,7 @@
       </p:sp>
       <p:sp>
         <p:nvSpPr>
-          <p:cNvPr id="157" name="Google Shape;157;g142db5e9dbb_0_259:notes"/>
+          <p:cNvPr id="179" name="Google Shape;179;g142db5e9dbb_0_259:notes"/>
           <p:cNvSpPr txBox="1"/>
           <p:nvPr>
             <p:ph idx="1" type="body"/>
@@ -6648,7 +6948,7 @@
             </a:pPr>
             <a:r>
               <a:rPr b="1" lang="en-GB"/>
-              <a:t>Sub-Reddit Classification</a:t>
+              <a:t>SubReddit Classification</a:t>
             </a:r>
             <a:endParaRPr b="1"/>
           </a:p>
@@ -6792,7 +7092,7 @@
   <p:cSld>
     <p:spTree>
       <p:nvGrpSpPr>
-        <p:cNvPr id="171" name="Shape 171"/>
+        <p:cNvPr id="193" name="Shape 193"/>
         <p:cNvGrpSpPr/>
         <p:nvPr/>
       </p:nvGrpSpPr>
@@ -6806,7 +7106,7 @@
       </p:grpSpPr>
       <p:sp>
         <p:nvSpPr>
-          <p:cNvPr id="172" name="Google Shape;172;p22"/>
+          <p:cNvPr id="194" name="Google Shape;194;p22"/>
           <p:cNvSpPr txBox="1"/>
           <p:nvPr>
             <p:ph idx="1" type="body"/>
@@ -6815,7 +7115,7 @@
         <p:spPr>
           <a:xfrm>
             <a:off x="235500" y="619075"/>
-            <a:ext cx="8418000" cy="2489400"/>
+            <a:ext cx="8673300" cy="2489400"/>
           </a:xfrm>
           <a:prstGeom prst="rect">
             <a:avLst/>
@@ -6838,8 +7138,12 @@
               <a:buChar char="●"/>
             </a:pPr>
             <a:r>
+              <a:rPr b="1" lang="en-GB"/>
+              <a:t>Max features:</a:t>
+            </a:r>
+            <a:r>
               <a:rPr lang="en-GB"/>
-              <a:t>CountVectorizer with MultinomialNB was chosen because of its good generalization, accuracy, precision, F1 score and AUC ROC score</a:t>
+              <a:t> 7,000 (Only top 7000 words from corpus saved)</a:t>
             </a:r>
             <a:endParaRPr/>
           </a:p>
@@ -6855,8 +7159,12 @@
               <a:buChar char="●"/>
             </a:pPr>
             <a:r>
+              <a:rPr b="1" lang="en-GB"/>
+              <a:t>Max df: </a:t>
+            </a:r>
+            <a:r>
               <a:rPr lang="en-GB"/>
-              <a:t>Not as overfitted as the Random Forest models</a:t>
+              <a:t>0.95 (Ignore words that occur in &gt;95% of documents from corpus)</a:t>
             </a:r>
             <a:endParaRPr/>
           </a:p>
@@ -6866,14 +7174,72 @@
                 <a:spcPts val="1000"/>
               </a:spcBef>
               <a:spcAft>
-                <a:spcPts val="1000"/>
+                <a:spcPts val="0"/>
               </a:spcAft>
               <a:buSzPts val="1800"/>
               <a:buChar char="●"/>
             </a:pPr>
             <a:r>
+              <a:rPr b="1" lang="en-GB"/>
+              <a:t>Min df: </a:t>
+            </a:r>
+            <a:r>
               <a:rPr lang="en-GB"/>
-              <a:t>Takes lesser time to run (9 seconds) compared to the RandomForest model (28 seconds)</a:t>
+              <a:t>2 (Word must </a:t>
+            </a:r>
+            <a:r>
+              <a:rPr lang="en-GB"/>
+              <a:t>occur</a:t>
+            </a:r>
+            <a:r>
+              <a:rPr lang="en-GB"/>
+              <a:t> in at least 2 </a:t>
+            </a:r>
+            <a:r>
+              <a:rPr lang="en-GB"/>
+              <a:t>documents from corpus)</a:t>
+            </a:r>
+            <a:endParaRPr/>
+          </a:p>
+          <a:p>
+            <a:pPr indent="-342900" lvl="0" marL="457200" rtl="0" algn="l">
+              <a:spcBef>
+                <a:spcPts val="1000"/>
+              </a:spcBef>
+              <a:spcAft>
+                <a:spcPts val="0"/>
+              </a:spcAft>
+              <a:buSzPts val="1800"/>
+              <a:buChar char="●"/>
+            </a:pPr>
+            <a:r>
+              <a:rPr b="1" lang="en-GB"/>
+              <a:t>Ngrams: </a:t>
+            </a:r>
+            <a:r>
+              <a:rPr lang="en-GB"/>
+              <a:t>(1,2) (Capture every 1 and 2 word phrases)</a:t>
+            </a:r>
+            <a:endParaRPr/>
+          </a:p>
+          <a:p>
+            <a:pPr indent="-342900" lvl="0" marL="457200" rtl="0" algn="l">
+              <a:spcBef>
+                <a:spcPts val="1000"/>
+              </a:spcBef>
+              <a:spcAft>
+                <a:spcPts val="1000"/>
+              </a:spcAft>
+              <a:buSzPts val="1800"/>
+              <a:buChar char="●"/>
+            </a:pPr>
+            <a:r>
+              <a:rPr b="1" lang="en-GB"/>
+              <a:t>Stopwords:</a:t>
+            </a:r>
+            <a:r>
+              <a:rPr lang="en-GB"/>
+              <a:t> ‘english’ + common words like ‘bicycles, motorcycles, cyclists’ etc</a:t>
             </a:r>
             <a:endParaRPr/>
           </a:p>
@@ -6881,7 +7247,7 @@
       </p:sp>
       <p:sp>
         <p:nvSpPr>
-          <p:cNvPr id="173" name="Google Shape;173;p22"/>
+          <p:cNvPr id="195" name="Google Shape;195;p22"/>
           <p:cNvSpPr/>
           <p:nvPr/>
         </p:nvSpPr>
@@ -6941,7 +7307,7 @@
       </p:sp>
       <p:sp>
         <p:nvSpPr>
-          <p:cNvPr id="174" name="Google Shape;174;p22"/>
+          <p:cNvPr id="196" name="Google Shape;196;p22"/>
           <p:cNvSpPr/>
           <p:nvPr/>
         </p:nvSpPr>
@@ -7001,7 +7367,7 @@
       </p:sp>
       <p:sp>
         <p:nvSpPr>
-          <p:cNvPr id="175" name="Google Shape;175;p22"/>
+          <p:cNvPr id="197" name="Google Shape;197;p22"/>
           <p:cNvSpPr/>
           <p:nvPr/>
         </p:nvSpPr>
@@ -7061,7 +7427,7 @@
       </p:sp>
       <p:sp>
         <p:nvSpPr>
-          <p:cNvPr id="176" name="Google Shape;176;p22"/>
+          <p:cNvPr id="198" name="Google Shape;198;p22"/>
           <p:cNvSpPr/>
           <p:nvPr/>
         </p:nvSpPr>
@@ -7121,7 +7487,7 @@
       </p:sp>
       <p:sp>
         <p:nvSpPr>
-          <p:cNvPr id="177" name="Google Shape;177;p22"/>
+          <p:cNvPr id="199" name="Google Shape;199;p22"/>
           <p:cNvSpPr/>
           <p:nvPr/>
         </p:nvSpPr>
@@ -7181,7 +7547,7 @@
       </p:sp>
       <p:sp>
         <p:nvSpPr>
-          <p:cNvPr id="178" name="Google Shape;178;p22"/>
+          <p:cNvPr id="200" name="Google Shape;200;p22"/>
           <p:cNvSpPr/>
           <p:nvPr/>
         </p:nvSpPr>
@@ -7241,7 +7607,7 @@
       </p:sp>
       <p:sp>
         <p:nvSpPr>
-          <p:cNvPr id="179" name="Google Shape;179;p22"/>
+          <p:cNvPr id="201" name="Google Shape;201;p22"/>
           <p:cNvSpPr txBox="1"/>
           <p:nvPr>
             <p:ph type="title"/>
@@ -7273,7 +7639,7 @@
             </a:pPr>
             <a:r>
               <a:rPr b="1" lang="en-GB"/>
-              <a:t>Model Evaluation</a:t>
+              <a:t>Model Parameters</a:t>
             </a:r>
             <a:endParaRPr b="1"/>
           </a:p>
@@ -7281,7 +7647,7 @@
       </p:sp>
       <p:graphicFrame>
         <p:nvGraphicFramePr>
-          <p:cNvPr id="180" name="Google Shape;180;p22"/>
+          <p:cNvPr id="202" name="Google Shape;202;p22"/>
           <p:cNvGraphicFramePr/>
           <p:nvPr/>
         </p:nvGraphicFramePr>
@@ -7294,7 +7660,7 @@
             <a:tbl>
               <a:tblPr>
                 <a:noFill/>
-                <a:tableStyleId>{B95C7D98-7BC2-4D2C-9B90-3A103885D3D6}</a:tableStyleId>
+                <a:tableStyleId>{943CDEA6-37A4-46F4-B061-8982E8EDF4D7}</a:tableStyleId>
               </a:tblPr>
               <a:tblGrid>
                 <a:gridCol w="1445425"/>
@@ -7974,7 +8340,7 @@
   <p:cSld>
     <p:spTree>
       <p:nvGrpSpPr>
-        <p:cNvPr id="184" name="Shape 184"/>
+        <p:cNvPr id="206" name="Shape 206"/>
         <p:cNvGrpSpPr/>
         <p:nvPr/>
       </p:nvGrpSpPr>
@@ -7988,7 +8354,7 @@
       </p:grpSpPr>
       <p:sp>
         <p:nvSpPr>
-          <p:cNvPr id="185" name="Google Shape;185;p23"/>
+          <p:cNvPr id="207" name="Google Shape;207;p23"/>
           <p:cNvSpPr txBox="1"/>
           <p:nvPr>
             <p:ph idx="1" type="body"/>
@@ -7997,7 +8363,7 @@
         <p:spPr>
           <a:xfrm>
             <a:off x="235500" y="619075"/>
-            <a:ext cx="6345900" cy="2489400"/>
+            <a:ext cx="5623800" cy="2489400"/>
           </a:xfrm>
           <a:prstGeom prst="rect">
             <a:avLst/>
@@ -8021,7 +8387,7 @@
             </a:pPr>
             <a:r>
               <a:rPr lang="en-GB"/>
-              <a:t>How well can we classify a subreddit post?</a:t>
+              <a:t>CountVectorizer with MultinomialNB was chosen because of its good generalization, accuracy, precision, F1 score and AUC ROC score</a:t>
             </a:r>
             <a:endParaRPr/>
           </a:p>
@@ -8031,14 +8397,31 @@
                 <a:spcPts val="1000"/>
               </a:spcBef>
               <a:spcAft>
-                <a:spcPts val="1000"/>
+                <a:spcPts val="0"/>
               </a:spcAft>
               <a:buSzPts val="1800"/>
               <a:buChar char="●"/>
             </a:pPr>
             <a:r>
               <a:rPr lang="en-GB"/>
-              <a:t>87% accuracy, but possible to increase the accuracy and precision of the models using GridSearch instead of Randomized Search</a:t>
+              <a:t>Not as overfitted as the Random Forest models</a:t>
+            </a:r>
+            <a:endParaRPr/>
+          </a:p>
+          <a:p>
+            <a:pPr indent="-342900" lvl="0" marL="457200" rtl="0" algn="l">
+              <a:spcBef>
+                <a:spcPts val="1000"/>
+              </a:spcBef>
+              <a:spcAft>
+                <a:spcPts val="1000"/>
+              </a:spcAft>
+              <a:buSzPts val="1800"/>
+              <a:buChar char="●"/>
+            </a:pPr>
+            <a:r>
+              <a:rPr lang="en-GB"/>
+              <a:t>Takes lesser time to run (9 seconds) compared to the RandomForest model (28 seconds)</a:t>
             </a:r>
             <a:endParaRPr/>
           </a:p>
@@ -8046,7 +8429,7 @@
       </p:sp>
       <p:sp>
         <p:nvSpPr>
-          <p:cNvPr id="186" name="Google Shape;186;p23"/>
+          <p:cNvPr id="208" name="Google Shape;208;p23"/>
           <p:cNvSpPr/>
           <p:nvPr/>
         </p:nvSpPr>
@@ -8106,7 +8489,7 @@
       </p:sp>
       <p:sp>
         <p:nvSpPr>
-          <p:cNvPr id="187" name="Google Shape;187;p23"/>
+          <p:cNvPr id="209" name="Google Shape;209;p23"/>
           <p:cNvSpPr/>
           <p:nvPr/>
         </p:nvSpPr>
@@ -8166,7 +8549,7 @@
       </p:sp>
       <p:sp>
         <p:nvSpPr>
-          <p:cNvPr id="188" name="Google Shape;188;p23"/>
+          <p:cNvPr id="210" name="Google Shape;210;p23"/>
           <p:cNvSpPr/>
           <p:nvPr/>
         </p:nvSpPr>
@@ -8226,7 +8609,7 @@
       </p:sp>
       <p:sp>
         <p:nvSpPr>
-          <p:cNvPr id="189" name="Google Shape;189;p23"/>
+          <p:cNvPr id="211" name="Google Shape;211;p23"/>
           <p:cNvSpPr/>
           <p:nvPr/>
         </p:nvSpPr>
@@ -8286,7 +8669,7 @@
       </p:sp>
       <p:sp>
         <p:nvSpPr>
-          <p:cNvPr id="190" name="Google Shape;190;p23"/>
+          <p:cNvPr id="212" name="Google Shape;212;p23"/>
           <p:cNvSpPr/>
           <p:nvPr/>
         </p:nvSpPr>
@@ -8294,6 +8677,1066 @@
           <a:xfrm>
             <a:off x="5688714" y="4318025"/>
             <a:ext cx="1853100" cy="751200"/>
+          </a:xfrm>
+          <a:prstGeom prst="chevron">
+            <a:avLst>
+              <a:gd fmla="val 50000" name="adj"/>
+            </a:avLst>
+          </a:prstGeom>
+          <a:solidFill>
+            <a:schemeClr val="lt2"/>
+          </a:solidFill>
+          <a:ln cap="flat" cmpd="sng" w="9525">
+            <a:solidFill>
+              <a:schemeClr val="dk2"/>
+            </a:solidFill>
+            <a:prstDash val="solid"/>
+            <a:round/>
+            <a:headEnd len="sm" w="sm" type="none"/>
+            <a:tailEnd len="sm" w="sm" type="none"/>
+          </a:ln>
+        </p:spPr>
+        <p:txBody>
+          <a:bodyPr anchorCtr="0" anchor="ctr" bIns="91425" lIns="91425" spcFirstLastPara="1" rIns="91425" wrap="square" tIns="91425">
+            <a:noAutofit/>
+          </a:bodyPr>
+          <a:lstStyle/>
+          <a:p>
+            <a:pPr indent="0" lvl="0" marL="0" rtl="0" algn="l">
+              <a:spcBef>
+                <a:spcPts val="0"/>
+              </a:spcBef>
+              <a:spcAft>
+                <a:spcPts val="0"/>
+              </a:spcAft>
+              <a:buNone/>
+            </a:pPr>
+            <a:r>
+              <a:rPr b="1" lang="en-GB" sz="1200">
+                <a:solidFill>
+                  <a:schemeClr val="lt1"/>
+                </a:solidFill>
+              </a:rPr>
+              <a:t>Evaluate Model</a:t>
+            </a:r>
+            <a:endParaRPr b="1" sz="1200">
+              <a:solidFill>
+                <a:schemeClr val="lt1"/>
+              </a:solidFill>
+            </a:endParaRPr>
+          </a:p>
+        </p:txBody>
+      </p:sp>
+      <p:sp>
+        <p:nvSpPr>
+          <p:cNvPr id="213" name="Google Shape;213;p23"/>
+          <p:cNvSpPr/>
+          <p:nvPr/>
+        </p:nvSpPr>
+        <p:spPr>
+          <a:xfrm>
+            <a:off x="7217199" y="4318025"/>
+            <a:ext cx="1853100" cy="751200"/>
+          </a:xfrm>
+          <a:prstGeom prst="chevron">
+            <a:avLst>
+              <a:gd fmla="val 50000" name="adj"/>
+            </a:avLst>
+          </a:prstGeom>
+          <a:solidFill>
+            <a:srgbClr val="D9D9D9"/>
+          </a:solidFill>
+          <a:ln cap="flat" cmpd="sng" w="9525">
+            <a:solidFill>
+              <a:schemeClr val="dk2"/>
+            </a:solidFill>
+            <a:prstDash val="solid"/>
+            <a:round/>
+            <a:headEnd len="sm" w="sm" type="none"/>
+            <a:tailEnd len="sm" w="sm" type="none"/>
+          </a:ln>
+        </p:spPr>
+        <p:txBody>
+          <a:bodyPr anchorCtr="0" anchor="ctr" bIns="91425" lIns="91425" spcFirstLastPara="1" rIns="91425" wrap="square" tIns="91425">
+            <a:noAutofit/>
+          </a:bodyPr>
+          <a:lstStyle/>
+          <a:p>
+            <a:pPr indent="0" lvl="0" marL="0" rtl="0" algn="l">
+              <a:spcBef>
+                <a:spcPts val="0"/>
+              </a:spcBef>
+              <a:spcAft>
+                <a:spcPts val="0"/>
+              </a:spcAft>
+              <a:buNone/>
+            </a:pPr>
+            <a:r>
+              <a:rPr b="1" lang="en-GB" sz="1200">
+                <a:solidFill>
+                  <a:schemeClr val="dk1"/>
+                </a:solidFill>
+              </a:rPr>
+              <a:t>Answer the Problem</a:t>
+            </a:r>
+            <a:endParaRPr b="1" sz="1200">
+              <a:solidFill>
+                <a:schemeClr val="dk1"/>
+              </a:solidFill>
+            </a:endParaRPr>
+          </a:p>
+        </p:txBody>
+      </p:sp>
+      <p:sp>
+        <p:nvSpPr>
+          <p:cNvPr id="214" name="Google Shape;214;p23"/>
+          <p:cNvSpPr txBox="1"/>
+          <p:nvPr>
+            <p:ph type="title"/>
+          </p:nvPr>
+        </p:nvSpPr>
+        <p:spPr>
+          <a:xfrm>
+            <a:off x="311700" y="64025"/>
+            <a:ext cx="8520600" cy="572700"/>
+          </a:xfrm>
+          <a:prstGeom prst="rect">
+            <a:avLst/>
+          </a:prstGeom>
+        </p:spPr>
+        <p:txBody>
+          <a:bodyPr anchorCtr="0" anchor="t" bIns="91425" lIns="91425" spcFirstLastPara="1" rIns="91425" wrap="square" tIns="91425">
+            <a:normAutofit fontScale="90000"/>
+          </a:bodyPr>
+          <a:lstStyle/>
+          <a:p>
+            <a:pPr indent="0" lvl="0" marL="0" rtl="0" algn="l">
+              <a:spcBef>
+                <a:spcPts val="0"/>
+              </a:spcBef>
+              <a:spcAft>
+                <a:spcPts val="0"/>
+              </a:spcAft>
+              <a:buNone/>
+            </a:pPr>
+            <a:r>
+              <a:rPr b="1" lang="en-GB"/>
+              <a:t>Model Evaluation</a:t>
+            </a:r>
+            <a:endParaRPr b="1"/>
+          </a:p>
+        </p:txBody>
+      </p:sp>
+      <p:graphicFrame>
+        <p:nvGraphicFramePr>
+          <p:cNvPr id="215" name="Google Shape;215;p23"/>
+          <p:cNvGraphicFramePr/>
+          <p:nvPr/>
+        </p:nvGraphicFramePr>
+        <p:xfrm>
+          <a:off x="235500" y="3108325"/>
+          <a:ext cx="3000000" cy="3000000"/>
+        </p:xfrm>
+        <a:graphic>
+          <a:graphicData uri="http://schemas.openxmlformats.org/drawingml/2006/table">
+            <a:tbl>
+              <a:tblPr>
+                <a:noFill/>
+                <a:tableStyleId>{943CDEA6-37A4-46F4-B061-8982E8EDF4D7}</a:tableStyleId>
+              </a:tblPr>
+              <a:tblGrid>
+                <a:gridCol w="1445425"/>
+                <a:gridCol w="1179000"/>
+                <a:gridCol w="1575750"/>
+                <a:gridCol w="1370200"/>
+                <a:gridCol w="1145425"/>
+                <a:gridCol w="1625975"/>
+              </a:tblGrid>
+              <a:tr h="434425">
+                <a:tc>
+                  <a:txBody>
+                    <a:bodyPr/>
+                    <a:lstStyle/>
+                    <a:p>
+                      <a:pPr indent="0" lvl="0" marL="0" rtl="0" algn="l">
+                        <a:spcBef>
+                          <a:spcPts val="0"/>
+                        </a:spcBef>
+                        <a:spcAft>
+                          <a:spcPts val="0"/>
+                        </a:spcAft>
+                        <a:buNone/>
+                      </a:pPr>
+                      <a:r>
+                        <a:t/>
+                      </a:r>
+                      <a:endParaRPr>
+                        <a:solidFill>
+                          <a:schemeClr val="dk1"/>
+                        </a:solidFill>
+                      </a:endParaRPr>
+                    </a:p>
+                  </a:txBody>
+                  <a:tcPr marT="91425" marB="91425" marR="91425" marL="91425">
+                    <a:lnB cap="flat" cmpd="sng" w="9525">
+                      <a:solidFill>
+                        <a:srgbClr val="FFFF00"/>
+                      </a:solidFill>
+                      <a:prstDash val="solid"/>
+                      <a:round/>
+                      <a:headEnd len="sm" w="sm" type="none"/>
+                      <a:tailEnd len="sm" w="sm" type="none"/>
+                    </a:lnB>
+                  </a:tcPr>
+                </a:tc>
+                <a:tc>
+                  <a:txBody>
+                    <a:bodyPr/>
+                    <a:lstStyle/>
+                    <a:p>
+                      <a:pPr indent="0" lvl="0" marL="0" rtl="0" algn="ctr">
+                        <a:spcBef>
+                          <a:spcPts val="0"/>
+                        </a:spcBef>
+                        <a:spcAft>
+                          <a:spcPts val="0"/>
+                        </a:spcAft>
+                        <a:buNone/>
+                      </a:pPr>
+                      <a:r>
+                        <a:rPr b="1" lang="en-GB">
+                          <a:solidFill>
+                            <a:schemeClr val="dk1"/>
+                          </a:solidFill>
+                        </a:rPr>
+                        <a:t>Accuracy</a:t>
+                      </a:r>
+                      <a:endParaRPr b="1">
+                        <a:solidFill>
+                          <a:schemeClr val="dk1"/>
+                        </a:solidFill>
+                      </a:endParaRPr>
+                    </a:p>
+                  </a:txBody>
+                  <a:tcPr marT="91425" marB="91425" marR="91425" marL="91425">
+                    <a:lnB cap="flat" cmpd="sng" w="9525">
+                      <a:solidFill>
+                        <a:srgbClr val="FFFF00"/>
+                      </a:solidFill>
+                      <a:prstDash val="solid"/>
+                      <a:round/>
+                      <a:headEnd len="sm" w="sm" type="none"/>
+                      <a:tailEnd len="sm" w="sm" type="none"/>
+                    </a:lnB>
+                  </a:tcPr>
+                </a:tc>
+                <a:tc>
+                  <a:txBody>
+                    <a:bodyPr/>
+                    <a:lstStyle/>
+                    <a:p>
+                      <a:pPr indent="0" lvl="0" marL="0" rtl="0" algn="ctr">
+                        <a:spcBef>
+                          <a:spcPts val="0"/>
+                        </a:spcBef>
+                        <a:spcAft>
+                          <a:spcPts val="0"/>
+                        </a:spcAft>
+                        <a:buNone/>
+                      </a:pPr>
+                      <a:r>
+                        <a:rPr b="1" lang="en-GB">
+                          <a:solidFill>
+                            <a:schemeClr val="dk1"/>
+                          </a:solidFill>
+                        </a:rPr>
+                        <a:t>Generalisation</a:t>
+                      </a:r>
+                      <a:endParaRPr b="1">
+                        <a:solidFill>
+                          <a:schemeClr val="dk1"/>
+                        </a:solidFill>
+                      </a:endParaRPr>
+                    </a:p>
+                  </a:txBody>
+                  <a:tcPr marT="91425" marB="91425" marR="91425" marL="91425">
+                    <a:lnB cap="flat" cmpd="sng" w="9525">
+                      <a:solidFill>
+                        <a:srgbClr val="FFFF00"/>
+                      </a:solidFill>
+                      <a:prstDash val="solid"/>
+                      <a:round/>
+                      <a:headEnd len="sm" w="sm" type="none"/>
+                      <a:tailEnd len="sm" w="sm" type="none"/>
+                    </a:lnB>
+                  </a:tcPr>
+                </a:tc>
+                <a:tc>
+                  <a:txBody>
+                    <a:bodyPr/>
+                    <a:lstStyle/>
+                    <a:p>
+                      <a:pPr indent="0" lvl="0" marL="0" rtl="0" algn="ctr">
+                        <a:spcBef>
+                          <a:spcPts val="0"/>
+                        </a:spcBef>
+                        <a:spcAft>
+                          <a:spcPts val="0"/>
+                        </a:spcAft>
+                        <a:buNone/>
+                      </a:pPr>
+                      <a:r>
+                        <a:rPr b="1" lang="en-GB">
+                          <a:solidFill>
+                            <a:schemeClr val="dk1"/>
+                          </a:solidFill>
+                        </a:rPr>
+                        <a:t>Precision</a:t>
+                      </a:r>
+                      <a:endParaRPr b="1">
+                        <a:solidFill>
+                          <a:schemeClr val="dk1"/>
+                        </a:solidFill>
+                      </a:endParaRPr>
+                    </a:p>
+                  </a:txBody>
+                  <a:tcPr marT="91425" marB="91425" marR="91425" marL="91425">
+                    <a:lnB cap="flat" cmpd="sng" w="9525">
+                      <a:solidFill>
+                        <a:srgbClr val="FFFF00"/>
+                      </a:solidFill>
+                      <a:prstDash val="solid"/>
+                      <a:round/>
+                      <a:headEnd len="sm" w="sm" type="none"/>
+                      <a:tailEnd len="sm" w="sm" type="none"/>
+                    </a:lnB>
+                  </a:tcPr>
+                </a:tc>
+                <a:tc>
+                  <a:txBody>
+                    <a:bodyPr/>
+                    <a:lstStyle/>
+                    <a:p>
+                      <a:pPr indent="0" lvl="0" marL="0" rtl="0" algn="ctr">
+                        <a:spcBef>
+                          <a:spcPts val="0"/>
+                        </a:spcBef>
+                        <a:spcAft>
+                          <a:spcPts val="0"/>
+                        </a:spcAft>
+                        <a:buNone/>
+                      </a:pPr>
+                      <a:r>
+                        <a:rPr b="1" lang="en-GB">
+                          <a:solidFill>
+                            <a:schemeClr val="dk1"/>
+                          </a:solidFill>
+                        </a:rPr>
+                        <a:t>F1 score</a:t>
+                      </a:r>
+                      <a:endParaRPr b="1">
+                        <a:solidFill>
+                          <a:schemeClr val="dk1"/>
+                        </a:solidFill>
+                      </a:endParaRPr>
+                    </a:p>
+                  </a:txBody>
+                  <a:tcPr marT="91425" marB="91425" marR="91425" marL="91425">
+                    <a:lnB cap="flat" cmpd="sng" w="9525">
+                      <a:solidFill>
+                        <a:srgbClr val="FFFF00"/>
+                      </a:solidFill>
+                      <a:prstDash val="solid"/>
+                      <a:round/>
+                      <a:headEnd len="sm" w="sm" type="none"/>
+                      <a:tailEnd len="sm" w="sm" type="none"/>
+                    </a:lnB>
+                  </a:tcPr>
+                </a:tc>
+                <a:tc>
+                  <a:txBody>
+                    <a:bodyPr/>
+                    <a:lstStyle/>
+                    <a:p>
+                      <a:pPr indent="0" lvl="0" marL="0" rtl="0" algn="ctr">
+                        <a:spcBef>
+                          <a:spcPts val="0"/>
+                        </a:spcBef>
+                        <a:spcAft>
+                          <a:spcPts val="0"/>
+                        </a:spcAft>
+                        <a:buNone/>
+                      </a:pPr>
+                      <a:r>
+                        <a:rPr b="1" lang="en-GB">
+                          <a:solidFill>
+                            <a:schemeClr val="dk1"/>
+                          </a:solidFill>
+                        </a:rPr>
+                        <a:t>AUC ROC score</a:t>
+                      </a:r>
+                      <a:endParaRPr b="1">
+                        <a:solidFill>
+                          <a:schemeClr val="dk1"/>
+                        </a:solidFill>
+                      </a:endParaRPr>
+                    </a:p>
+                  </a:txBody>
+                  <a:tcPr marT="91425" marB="91425" marR="91425" marL="91425">
+                    <a:lnB cap="flat" cmpd="sng" w="9525">
+                      <a:solidFill>
+                        <a:srgbClr val="FFFF00"/>
+                      </a:solidFill>
+                      <a:prstDash val="solid"/>
+                      <a:round/>
+                      <a:headEnd len="sm" w="sm" type="none"/>
+                      <a:tailEnd len="sm" w="sm" type="none"/>
+                    </a:lnB>
+                  </a:tcPr>
+                </a:tc>
+              </a:tr>
+              <a:tr h="530150">
+                <a:tc>
+                  <a:txBody>
+                    <a:bodyPr/>
+                    <a:lstStyle/>
+                    <a:p>
+                      <a:pPr indent="0" lvl="0" marL="0" rtl="0" algn="l">
+                        <a:spcBef>
+                          <a:spcPts val="0"/>
+                        </a:spcBef>
+                        <a:spcAft>
+                          <a:spcPts val="0"/>
+                        </a:spcAft>
+                        <a:buNone/>
+                      </a:pPr>
+                      <a:r>
+                        <a:rPr b="1" lang="en-GB">
+                          <a:solidFill>
+                            <a:schemeClr val="dk1"/>
+                          </a:solidFill>
+                        </a:rPr>
+                        <a:t>CountVect with NB</a:t>
+                      </a:r>
+                      <a:endParaRPr b="1">
+                        <a:solidFill>
+                          <a:schemeClr val="dk1"/>
+                        </a:solidFill>
+                      </a:endParaRPr>
+                    </a:p>
+                  </a:txBody>
+                  <a:tcPr marT="91425" marB="91425" marR="91425" marL="91425">
+                    <a:lnL cap="flat" cmpd="sng" w="9525">
+                      <a:solidFill>
+                        <a:srgbClr val="FFFF00"/>
+                      </a:solidFill>
+                      <a:prstDash val="solid"/>
+                      <a:round/>
+                      <a:headEnd len="sm" w="sm" type="none"/>
+                      <a:tailEnd len="sm" w="sm" type="none"/>
+                    </a:lnL>
+                    <a:lnR cap="flat" cmpd="sng" w="9525">
+                      <a:solidFill>
+                        <a:srgbClr val="FFFF00"/>
+                      </a:solidFill>
+                      <a:prstDash val="solid"/>
+                      <a:round/>
+                      <a:headEnd len="sm" w="sm" type="none"/>
+                      <a:tailEnd len="sm" w="sm" type="none"/>
+                    </a:lnR>
+                    <a:lnT cap="flat" cmpd="sng" w="9525">
+                      <a:solidFill>
+                        <a:srgbClr val="FFFF00"/>
+                      </a:solidFill>
+                      <a:prstDash val="solid"/>
+                      <a:round/>
+                      <a:headEnd len="sm" w="sm" type="none"/>
+                      <a:tailEnd len="sm" w="sm" type="none"/>
+                    </a:lnT>
+                    <a:lnB cap="flat" cmpd="sng" w="9525">
+                      <a:solidFill>
+                        <a:srgbClr val="FFFF00"/>
+                      </a:solidFill>
+                      <a:prstDash val="solid"/>
+                      <a:round/>
+                      <a:headEnd len="sm" w="sm" type="none"/>
+                      <a:tailEnd len="sm" w="sm" type="none"/>
+                    </a:lnB>
+                  </a:tcPr>
+                </a:tc>
+                <a:tc>
+                  <a:txBody>
+                    <a:bodyPr/>
+                    <a:lstStyle/>
+                    <a:p>
+                      <a:pPr indent="0" lvl="0" marL="0" rtl="0" algn="ctr">
+                        <a:spcBef>
+                          <a:spcPts val="0"/>
+                        </a:spcBef>
+                        <a:spcAft>
+                          <a:spcPts val="0"/>
+                        </a:spcAft>
+                        <a:buNone/>
+                      </a:pPr>
+                      <a:r>
+                        <a:rPr lang="en-GB">
+                          <a:solidFill>
+                            <a:schemeClr val="dk1"/>
+                          </a:solidFill>
+                        </a:rPr>
+                        <a:t>0.8737</a:t>
+                      </a:r>
+                      <a:endParaRPr>
+                        <a:solidFill>
+                          <a:schemeClr val="dk1"/>
+                        </a:solidFill>
+                      </a:endParaRPr>
+                    </a:p>
+                  </a:txBody>
+                  <a:tcPr marT="91425" marB="91425" marR="91425" marL="91425">
+                    <a:lnL cap="flat" cmpd="sng" w="9525">
+                      <a:solidFill>
+                        <a:srgbClr val="FFFF00"/>
+                      </a:solidFill>
+                      <a:prstDash val="solid"/>
+                      <a:round/>
+                      <a:headEnd len="sm" w="sm" type="none"/>
+                      <a:tailEnd len="sm" w="sm" type="none"/>
+                    </a:lnL>
+                    <a:lnR cap="flat" cmpd="sng" w="9525">
+                      <a:solidFill>
+                        <a:srgbClr val="FFFF00"/>
+                      </a:solidFill>
+                      <a:prstDash val="solid"/>
+                      <a:round/>
+                      <a:headEnd len="sm" w="sm" type="none"/>
+                      <a:tailEnd len="sm" w="sm" type="none"/>
+                    </a:lnR>
+                    <a:lnT cap="flat" cmpd="sng" w="9525">
+                      <a:solidFill>
+                        <a:srgbClr val="FFFF00"/>
+                      </a:solidFill>
+                      <a:prstDash val="solid"/>
+                      <a:round/>
+                      <a:headEnd len="sm" w="sm" type="none"/>
+                      <a:tailEnd len="sm" w="sm" type="none"/>
+                    </a:lnT>
+                    <a:lnB cap="flat" cmpd="sng" w="9525">
+                      <a:solidFill>
+                        <a:srgbClr val="FFFF00"/>
+                      </a:solidFill>
+                      <a:prstDash val="solid"/>
+                      <a:round/>
+                      <a:headEnd len="sm" w="sm" type="none"/>
+                      <a:tailEnd len="sm" w="sm" type="none"/>
+                    </a:lnB>
+                  </a:tcPr>
+                </a:tc>
+                <a:tc>
+                  <a:txBody>
+                    <a:bodyPr/>
+                    <a:lstStyle/>
+                    <a:p>
+                      <a:pPr indent="0" lvl="0" marL="0" rtl="0" algn="ctr">
+                        <a:spcBef>
+                          <a:spcPts val="0"/>
+                        </a:spcBef>
+                        <a:spcAft>
+                          <a:spcPts val="0"/>
+                        </a:spcAft>
+                        <a:buNone/>
+                      </a:pPr>
+                      <a:r>
+                        <a:rPr lang="en-GB">
+                          <a:solidFill>
+                            <a:schemeClr val="dk1"/>
+                          </a:solidFill>
+                        </a:rPr>
+                        <a:t>6.49%</a:t>
+                      </a:r>
+                      <a:endParaRPr>
+                        <a:solidFill>
+                          <a:schemeClr val="dk1"/>
+                        </a:solidFill>
+                      </a:endParaRPr>
+                    </a:p>
+                  </a:txBody>
+                  <a:tcPr marT="91425" marB="91425" marR="91425" marL="91425">
+                    <a:lnL cap="flat" cmpd="sng" w="9525">
+                      <a:solidFill>
+                        <a:srgbClr val="FFFF00"/>
+                      </a:solidFill>
+                      <a:prstDash val="solid"/>
+                      <a:round/>
+                      <a:headEnd len="sm" w="sm" type="none"/>
+                      <a:tailEnd len="sm" w="sm" type="none"/>
+                    </a:lnL>
+                    <a:lnR cap="flat" cmpd="sng" w="9525">
+                      <a:solidFill>
+                        <a:srgbClr val="FFFF00"/>
+                      </a:solidFill>
+                      <a:prstDash val="solid"/>
+                      <a:round/>
+                      <a:headEnd len="sm" w="sm" type="none"/>
+                      <a:tailEnd len="sm" w="sm" type="none"/>
+                    </a:lnR>
+                    <a:lnT cap="flat" cmpd="sng" w="9525">
+                      <a:solidFill>
+                        <a:srgbClr val="FFFF00"/>
+                      </a:solidFill>
+                      <a:prstDash val="solid"/>
+                      <a:round/>
+                      <a:headEnd len="sm" w="sm" type="none"/>
+                      <a:tailEnd len="sm" w="sm" type="none"/>
+                    </a:lnT>
+                    <a:lnB cap="flat" cmpd="sng" w="9525">
+                      <a:solidFill>
+                        <a:srgbClr val="FFFF00"/>
+                      </a:solidFill>
+                      <a:prstDash val="solid"/>
+                      <a:round/>
+                      <a:headEnd len="sm" w="sm" type="none"/>
+                      <a:tailEnd len="sm" w="sm" type="none"/>
+                    </a:lnB>
+                  </a:tcPr>
+                </a:tc>
+                <a:tc>
+                  <a:txBody>
+                    <a:bodyPr/>
+                    <a:lstStyle/>
+                    <a:p>
+                      <a:pPr indent="0" lvl="0" marL="0" rtl="0" algn="ctr">
+                        <a:spcBef>
+                          <a:spcPts val="0"/>
+                        </a:spcBef>
+                        <a:spcAft>
+                          <a:spcPts val="0"/>
+                        </a:spcAft>
+                        <a:buNone/>
+                      </a:pPr>
+                      <a:r>
+                        <a:rPr lang="en-GB">
+                          <a:solidFill>
+                            <a:schemeClr val="dk1"/>
+                          </a:solidFill>
+                        </a:rPr>
+                        <a:t>0.8455</a:t>
+                      </a:r>
+                      <a:endParaRPr>
+                        <a:solidFill>
+                          <a:schemeClr val="dk1"/>
+                        </a:solidFill>
+                      </a:endParaRPr>
+                    </a:p>
+                  </a:txBody>
+                  <a:tcPr marT="91425" marB="91425" marR="91425" marL="91425">
+                    <a:lnL cap="flat" cmpd="sng" w="9525">
+                      <a:solidFill>
+                        <a:srgbClr val="FFFF00"/>
+                      </a:solidFill>
+                      <a:prstDash val="solid"/>
+                      <a:round/>
+                      <a:headEnd len="sm" w="sm" type="none"/>
+                      <a:tailEnd len="sm" w="sm" type="none"/>
+                    </a:lnL>
+                    <a:lnR cap="flat" cmpd="sng" w="9525">
+                      <a:solidFill>
+                        <a:srgbClr val="FFFF00"/>
+                      </a:solidFill>
+                      <a:prstDash val="solid"/>
+                      <a:round/>
+                      <a:headEnd len="sm" w="sm" type="none"/>
+                      <a:tailEnd len="sm" w="sm" type="none"/>
+                    </a:lnR>
+                    <a:lnT cap="flat" cmpd="sng" w="9525">
+                      <a:solidFill>
+                        <a:srgbClr val="FFFF00"/>
+                      </a:solidFill>
+                      <a:prstDash val="solid"/>
+                      <a:round/>
+                      <a:headEnd len="sm" w="sm" type="none"/>
+                      <a:tailEnd len="sm" w="sm" type="none"/>
+                    </a:lnT>
+                    <a:lnB cap="flat" cmpd="sng" w="9525">
+                      <a:solidFill>
+                        <a:srgbClr val="FFFF00"/>
+                      </a:solidFill>
+                      <a:prstDash val="solid"/>
+                      <a:round/>
+                      <a:headEnd len="sm" w="sm" type="none"/>
+                      <a:tailEnd len="sm" w="sm" type="none"/>
+                    </a:lnB>
+                  </a:tcPr>
+                </a:tc>
+                <a:tc>
+                  <a:txBody>
+                    <a:bodyPr/>
+                    <a:lstStyle/>
+                    <a:p>
+                      <a:pPr indent="0" lvl="0" marL="0" rtl="0" algn="ctr">
+                        <a:spcBef>
+                          <a:spcPts val="0"/>
+                        </a:spcBef>
+                        <a:spcAft>
+                          <a:spcPts val="0"/>
+                        </a:spcAft>
+                        <a:buNone/>
+                      </a:pPr>
+                      <a:r>
+                        <a:rPr lang="en-GB">
+                          <a:solidFill>
+                            <a:schemeClr val="dk1"/>
+                          </a:solidFill>
+                        </a:rPr>
+                        <a:t>0.8677</a:t>
+                      </a:r>
+                      <a:endParaRPr>
+                        <a:solidFill>
+                          <a:schemeClr val="dk1"/>
+                        </a:solidFill>
+                      </a:endParaRPr>
+                    </a:p>
+                  </a:txBody>
+                  <a:tcPr marT="91425" marB="91425" marR="91425" marL="91425">
+                    <a:lnL cap="flat" cmpd="sng" w="9525">
+                      <a:solidFill>
+                        <a:srgbClr val="FFFF00"/>
+                      </a:solidFill>
+                      <a:prstDash val="solid"/>
+                      <a:round/>
+                      <a:headEnd len="sm" w="sm" type="none"/>
+                      <a:tailEnd len="sm" w="sm" type="none"/>
+                    </a:lnL>
+                    <a:lnR cap="flat" cmpd="sng" w="9525">
+                      <a:solidFill>
+                        <a:srgbClr val="FFFF00"/>
+                      </a:solidFill>
+                      <a:prstDash val="solid"/>
+                      <a:round/>
+                      <a:headEnd len="sm" w="sm" type="none"/>
+                      <a:tailEnd len="sm" w="sm" type="none"/>
+                    </a:lnR>
+                    <a:lnT cap="flat" cmpd="sng" w="9525">
+                      <a:solidFill>
+                        <a:srgbClr val="FFFF00"/>
+                      </a:solidFill>
+                      <a:prstDash val="solid"/>
+                      <a:round/>
+                      <a:headEnd len="sm" w="sm" type="none"/>
+                      <a:tailEnd len="sm" w="sm" type="none"/>
+                    </a:lnT>
+                    <a:lnB cap="flat" cmpd="sng" w="9525">
+                      <a:solidFill>
+                        <a:srgbClr val="FFFF00"/>
+                      </a:solidFill>
+                      <a:prstDash val="solid"/>
+                      <a:round/>
+                      <a:headEnd len="sm" w="sm" type="none"/>
+                      <a:tailEnd len="sm" w="sm" type="none"/>
+                    </a:lnB>
+                  </a:tcPr>
+                </a:tc>
+                <a:tc>
+                  <a:txBody>
+                    <a:bodyPr/>
+                    <a:lstStyle/>
+                    <a:p>
+                      <a:pPr indent="0" lvl="0" marL="0" rtl="0" algn="ctr">
+                        <a:spcBef>
+                          <a:spcPts val="0"/>
+                        </a:spcBef>
+                        <a:spcAft>
+                          <a:spcPts val="0"/>
+                        </a:spcAft>
+                        <a:buNone/>
+                      </a:pPr>
+                      <a:r>
+                        <a:rPr lang="en-GB">
+                          <a:solidFill>
+                            <a:schemeClr val="dk1"/>
+                          </a:solidFill>
+                        </a:rPr>
+                        <a:t>0.9465</a:t>
+                      </a:r>
+                      <a:endParaRPr>
+                        <a:solidFill>
+                          <a:schemeClr val="dk1"/>
+                        </a:solidFill>
+                      </a:endParaRPr>
+                    </a:p>
+                  </a:txBody>
+                  <a:tcPr marT="91425" marB="91425" marR="91425" marL="91425">
+                    <a:lnL cap="flat" cmpd="sng" w="9525">
+                      <a:solidFill>
+                        <a:srgbClr val="FFFF00"/>
+                      </a:solidFill>
+                      <a:prstDash val="solid"/>
+                      <a:round/>
+                      <a:headEnd len="sm" w="sm" type="none"/>
+                      <a:tailEnd len="sm" w="sm" type="none"/>
+                    </a:lnL>
+                    <a:lnR cap="flat" cmpd="sng" w="9525">
+                      <a:solidFill>
+                        <a:srgbClr val="FFFF00"/>
+                      </a:solidFill>
+                      <a:prstDash val="solid"/>
+                      <a:round/>
+                      <a:headEnd len="sm" w="sm" type="none"/>
+                      <a:tailEnd len="sm" w="sm" type="none"/>
+                    </a:lnR>
+                    <a:lnT cap="flat" cmpd="sng" w="9525">
+                      <a:solidFill>
+                        <a:srgbClr val="FFFF00"/>
+                      </a:solidFill>
+                      <a:prstDash val="solid"/>
+                      <a:round/>
+                      <a:headEnd len="sm" w="sm" type="none"/>
+                      <a:tailEnd len="sm" w="sm" type="none"/>
+                    </a:lnT>
+                    <a:lnB cap="flat" cmpd="sng" w="9525">
+                      <a:solidFill>
+                        <a:srgbClr val="FFFF00"/>
+                      </a:solidFill>
+                      <a:prstDash val="solid"/>
+                      <a:round/>
+                      <a:headEnd len="sm" w="sm" type="none"/>
+                      <a:tailEnd len="sm" w="sm" type="none"/>
+                    </a:lnB>
+                  </a:tcPr>
+                </a:tc>
+              </a:tr>
+            </a:tbl>
+          </a:graphicData>
+        </a:graphic>
+      </p:graphicFrame>
+      <p:pic>
+        <p:nvPicPr>
+          <p:cNvPr id="216" name="Google Shape;216;p23"/>
+          <p:cNvPicPr preferRelativeResize="0"/>
+          <p:nvPr/>
+        </p:nvPicPr>
+        <p:blipFill rotWithShape="1">
+          <a:blip r:embed="rId3">
+            <a:alphaModFix/>
+          </a:blip>
+          <a:srcRect b="0" l="0" r="1652" t="7287"/>
+          <a:stretch/>
+        </p:blipFill>
+        <p:spPr>
+          <a:xfrm>
+            <a:off x="5859300" y="313775"/>
+            <a:ext cx="2914900" cy="2628850"/>
+          </a:xfrm>
+          <a:prstGeom prst="rect">
+            <a:avLst/>
+          </a:prstGeom>
+          <a:noFill/>
+          <a:ln>
+            <a:noFill/>
+          </a:ln>
+        </p:spPr>
+      </p:pic>
+      <p:sp>
+        <p:nvSpPr>
+          <p:cNvPr id="217" name="Google Shape;217;p23"/>
+          <p:cNvSpPr txBox="1"/>
+          <p:nvPr/>
+        </p:nvSpPr>
+        <p:spPr>
+          <a:xfrm>
+            <a:off x="8110775" y="2271450"/>
+            <a:ext cx="401100" cy="138600"/>
+          </a:xfrm>
+          <a:prstGeom prst="rect">
+            <a:avLst/>
+          </a:prstGeom>
+          <a:solidFill>
+            <a:schemeClr val="dk1"/>
+          </a:solidFill>
+          <a:ln>
+            <a:noFill/>
+          </a:ln>
+        </p:spPr>
+        <p:txBody>
+          <a:bodyPr anchorCtr="0" anchor="t" bIns="0" lIns="0" spcFirstLastPara="1" rIns="0" wrap="square" tIns="0">
+            <a:spAutoFit/>
+          </a:bodyPr>
+          <a:lstStyle/>
+          <a:p>
+            <a:pPr indent="0" lvl="0" marL="0" rtl="0" algn="l">
+              <a:spcBef>
+                <a:spcPts val="0"/>
+              </a:spcBef>
+              <a:spcAft>
+                <a:spcPts val="0"/>
+              </a:spcAft>
+              <a:buNone/>
+            </a:pPr>
+            <a:r>
+              <a:rPr lang="en-GB" sz="900"/>
+              <a:t>0.9465</a:t>
+            </a:r>
+            <a:endParaRPr sz="900"/>
+          </a:p>
+        </p:txBody>
+      </p:sp>
+    </p:spTree>
+  </p:cSld>
+  <p:clrMapOvr>
+    <a:masterClrMapping/>
+  </p:clrMapOvr>
+</p:sld>
+</file>
+
+<file path=ppt/slides/slide12.xml><?xml version="1.0" encoding="utf-8"?>
+<p:sld xmlns:a="http://schemas.openxmlformats.org/drawingml/2006/main" xmlns:r="http://schemas.openxmlformats.org/officeDocument/2006/relationships" xmlns:mc="http://schemas.openxmlformats.org/markup-compatibility/2006" xmlns:mv="urn:schemas-microsoft-com:mac:vml" xmlns:p="http://schemas.openxmlformats.org/presentationml/2006/main" xmlns:c="http://schemas.openxmlformats.org/drawingml/2006/chart" xmlns:dgm="http://schemas.openxmlformats.org/drawingml/2006/diagram" xmlns:o="urn:schemas-microsoft-com:office:office" xmlns:v="urn:schemas-microsoft-com:vml" xmlns:pvml="urn:schemas-microsoft-com:office:powerpoint" xmlns:com="http://schemas.openxmlformats.org/drawingml/2006/compatibility" xmlns:p14="http://schemas.microsoft.com/office/powerpoint/2010/main" xmlns:p15="http://schemas.microsoft.com/office/powerpoint/2012/main" xmlns:ahyp="http://schemas.microsoft.com/office/drawing/2018/hyperlinkcolor">
+  <p:cSld>
+    <p:spTree>
+      <p:nvGrpSpPr>
+        <p:cNvPr id="221" name="Shape 221"/>
+        <p:cNvGrpSpPr/>
+        <p:nvPr/>
+      </p:nvGrpSpPr>
+      <p:grpSpPr>
+        <a:xfrm>
+          <a:off x="0" y="0"/>
+          <a:ext cx="0" cy="0"/>
+          <a:chOff x="0" y="0"/>
+          <a:chExt cx="0" cy="0"/>
+        </a:xfrm>
+      </p:grpSpPr>
+      <p:sp>
+        <p:nvSpPr>
+          <p:cNvPr id="222" name="Google Shape;222;p24"/>
+          <p:cNvSpPr txBox="1"/>
+          <p:nvPr>
+            <p:ph idx="1" type="body"/>
+          </p:nvPr>
+        </p:nvSpPr>
+        <p:spPr>
+          <a:xfrm>
+            <a:off x="235500" y="619075"/>
+            <a:ext cx="6345900" cy="2489400"/>
+          </a:xfrm>
+          <a:prstGeom prst="rect">
+            <a:avLst/>
+          </a:prstGeom>
+        </p:spPr>
+        <p:txBody>
+          <a:bodyPr anchorCtr="0" anchor="t" bIns="91425" lIns="91425" spcFirstLastPara="1" rIns="91425" wrap="square" tIns="91425">
+            <a:normAutofit/>
+          </a:bodyPr>
+          <a:lstStyle/>
+          <a:p>
+            <a:pPr indent="-342900" lvl="0" marL="457200" rtl="0" algn="l">
+              <a:spcBef>
+                <a:spcPts val="0"/>
+              </a:spcBef>
+              <a:spcAft>
+                <a:spcPts val="0"/>
+              </a:spcAft>
+              <a:buSzPts val="1800"/>
+              <a:buChar char="●"/>
+            </a:pPr>
+            <a:r>
+              <a:rPr lang="en-GB"/>
+              <a:t>How well can we classify a subreddit post?</a:t>
+            </a:r>
+            <a:endParaRPr/>
+          </a:p>
+          <a:p>
+            <a:pPr indent="-342900" lvl="0" marL="457200" rtl="0" algn="l">
+              <a:spcBef>
+                <a:spcPts val="1000"/>
+              </a:spcBef>
+              <a:spcAft>
+                <a:spcPts val="1000"/>
+              </a:spcAft>
+              <a:buSzPts val="1800"/>
+              <a:buChar char="●"/>
+            </a:pPr>
+            <a:r>
+              <a:rPr b="1" lang="en-GB"/>
+              <a:t>87% accuracy,</a:t>
+            </a:r>
+            <a:r>
+              <a:rPr lang="en-GB"/>
+              <a:t> but possible to increase the accuracy and precision of the models using GridSearch instead of Randomized Search (only 25 iterations done in model)</a:t>
+            </a:r>
+            <a:endParaRPr/>
+          </a:p>
+        </p:txBody>
+      </p:sp>
+      <p:sp>
+        <p:nvSpPr>
+          <p:cNvPr id="223" name="Google Shape;223;p24"/>
+          <p:cNvSpPr/>
+          <p:nvPr/>
+        </p:nvSpPr>
+        <p:spPr>
+          <a:xfrm>
+            <a:off x="97975" y="4318025"/>
+            <a:ext cx="1494300" cy="751200"/>
+          </a:xfrm>
+          <a:prstGeom prst="homePlate">
+            <a:avLst>
+              <a:gd fmla="val 50000" name="adj"/>
+            </a:avLst>
+          </a:prstGeom>
+          <a:solidFill>
+            <a:srgbClr val="D9D9D9"/>
+          </a:solidFill>
+          <a:ln cap="flat" cmpd="sng" w="9525">
+            <a:solidFill>
+              <a:schemeClr val="dk2"/>
+            </a:solidFill>
+            <a:prstDash val="solid"/>
+            <a:round/>
+            <a:headEnd len="sm" w="sm" type="none"/>
+            <a:tailEnd len="sm" w="sm" type="none"/>
+          </a:ln>
+        </p:spPr>
+        <p:txBody>
+          <a:bodyPr anchorCtr="0" anchor="ctr" bIns="91425" lIns="91425" spcFirstLastPara="1" rIns="91425" wrap="square" tIns="91425">
+            <a:noAutofit/>
+          </a:bodyPr>
+          <a:lstStyle/>
+          <a:p>
+            <a:pPr indent="0" lvl="0" marL="0" rtl="0" algn="l">
+              <a:spcBef>
+                <a:spcPts val="0"/>
+              </a:spcBef>
+              <a:spcAft>
+                <a:spcPts val="0"/>
+              </a:spcAft>
+              <a:buNone/>
+            </a:pPr>
+            <a:r>
+              <a:rPr b="1" lang="en-GB" sz="1200">
+                <a:solidFill>
+                  <a:schemeClr val="dk1"/>
+                </a:solidFill>
+              </a:rPr>
+              <a:t>Problem Statement</a:t>
+            </a:r>
+            <a:endParaRPr b="1" sz="1200">
+              <a:solidFill>
+                <a:schemeClr val="dk1"/>
+              </a:solidFill>
+            </a:endParaRPr>
+          </a:p>
+        </p:txBody>
+      </p:sp>
+      <p:sp>
+        <p:nvSpPr>
+          <p:cNvPr id="224" name="Google Shape;224;p24"/>
+          <p:cNvSpPr/>
+          <p:nvPr/>
+        </p:nvSpPr>
+        <p:spPr>
+          <a:xfrm>
+            <a:off x="1267660" y="4318025"/>
+            <a:ext cx="1688700" cy="751200"/>
           </a:xfrm>
           <a:prstGeom prst="chevron">
             <a:avLst>
@@ -8334,7 +9777,7 @@
                   <a:schemeClr val="dk1"/>
                 </a:solidFill>
               </a:rPr>
-              <a:t>Evaluate Model</a:t>
+              <a:t>Gather &amp; Clean Data</a:t>
             </a:r>
             <a:endParaRPr b="1" sz="1200">
               <a:solidFill>
@@ -8346,7 +9789,187 @@
       </p:sp>
       <p:sp>
         <p:nvSpPr>
-          <p:cNvPr id="191" name="Google Shape;191;p23"/>
+          <p:cNvPr id="225" name="Google Shape;225;p24"/>
+          <p:cNvSpPr/>
+          <p:nvPr/>
+        </p:nvSpPr>
+        <p:spPr>
+          <a:xfrm>
+            <a:off x="2631744" y="4318025"/>
+            <a:ext cx="1853100" cy="751200"/>
+          </a:xfrm>
+          <a:prstGeom prst="chevron">
+            <a:avLst>
+              <a:gd fmla="val 50000" name="adj"/>
+            </a:avLst>
+          </a:prstGeom>
+          <a:solidFill>
+            <a:srgbClr val="D9D9D9"/>
+          </a:solidFill>
+          <a:ln cap="flat" cmpd="sng" w="9525">
+            <a:solidFill>
+              <a:schemeClr val="dk2"/>
+            </a:solidFill>
+            <a:prstDash val="solid"/>
+            <a:round/>
+            <a:headEnd len="sm" w="sm" type="none"/>
+            <a:tailEnd len="sm" w="sm" type="none"/>
+          </a:ln>
+        </p:spPr>
+        <p:txBody>
+          <a:bodyPr anchorCtr="0" anchor="ctr" bIns="91425" lIns="91425" spcFirstLastPara="1" rIns="91425" wrap="square" tIns="91425">
+            <a:noAutofit/>
+          </a:bodyPr>
+          <a:lstStyle/>
+          <a:p>
+            <a:pPr indent="0" lvl="0" marL="0" rtl="0" algn="l">
+              <a:spcBef>
+                <a:spcPts val="0"/>
+              </a:spcBef>
+              <a:spcAft>
+                <a:spcPts val="0"/>
+              </a:spcAft>
+              <a:buNone/>
+            </a:pPr>
+            <a:r>
+              <a:rPr b="1" lang="en-GB" sz="1200">
+                <a:solidFill>
+                  <a:schemeClr val="dk1"/>
+                </a:solidFill>
+              </a:rPr>
+              <a:t>Explore Data</a:t>
+            </a:r>
+            <a:endParaRPr b="1" sz="1200">
+              <a:solidFill>
+                <a:schemeClr val="dk1"/>
+              </a:solidFill>
+            </a:endParaRPr>
+          </a:p>
+        </p:txBody>
+      </p:sp>
+      <p:sp>
+        <p:nvSpPr>
+          <p:cNvPr id="226" name="Google Shape;226;p24"/>
+          <p:cNvSpPr/>
+          <p:nvPr/>
+        </p:nvSpPr>
+        <p:spPr>
+          <a:xfrm>
+            <a:off x="4160229" y="4318025"/>
+            <a:ext cx="1853100" cy="751200"/>
+          </a:xfrm>
+          <a:prstGeom prst="chevron">
+            <a:avLst>
+              <a:gd fmla="val 50000" name="adj"/>
+            </a:avLst>
+          </a:prstGeom>
+          <a:solidFill>
+            <a:srgbClr val="CCCCCC"/>
+          </a:solidFill>
+          <a:ln cap="flat" cmpd="sng" w="9525">
+            <a:solidFill>
+              <a:schemeClr val="dk2"/>
+            </a:solidFill>
+            <a:prstDash val="solid"/>
+            <a:round/>
+            <a:headEnd len="sm" w="sm" type="none"/>
+            <a:tailEnd len="sm" w="sm" type="none"/>
+          </a:ln>
+        </p:spPr>
+        <p:txBody>
+          <a:bodyPr anchorCtr="0" anchor="ctr" bIns="91425" lIns="91425" spcFirstLastPara="1" rIns="91425" wrap="square" tIns="91425">
+            <a:noAutofit/>
+          </a:bodyPr>
+          <a:lstStyle/>
+          <a:p>
+            <a:pPr indent="0" lvl="0" marL="0" rtl="0" algn="l">
+              <a:spcBef>
+                <a:spcPts val="0"/>
+              </a:spcBef>
+              <a:spcAft>
+                <a:spcPts val="0"/>
+              </a:spcAft>
+              <a:buNone/>
+            </a:pPr>
+            <a:r>
+              <a:rPr b="1" lang="en-GB" sz="1200">
+                <a:solidFill>
+                  <a:schemeClr val="dk1"/>
+                </a:solidFill>
+              </a:rPr>
+              <a:t>Model Data</a:t>
+            </a:r>
+            <a:endParaRPr b="1" sz="1200">
+              <a:solidFill>
+                <a:schemeClr val="dk1"/>
+              </a:solidFill>
+            </a:endParaRPr>
+          </a:p>
+        </p:txBody>
+      </p:sp>
+      <p:sp>
+        <p:nvSpPr>
+          <p:cNvPr id="227" name="Google Shape;227;p24"/>
+          <p:cNvSpPr/>
+          <p:nvPr/>
+        </p:nvSpPr>
+        <p:spPr>
+          <a:xfrm>
+            <a:off x="5688714" y="4318025"/>
+            <a:ext cx="1853100" cy="751200"/>
+          </a:xfrm>
+          <a:prstGeom prst="chevron">
+            <a:avLst>
+              <a:gd fmla="val 50000" name="adj"/>
+            </a:avLst>
+          </a:prstGeom>
+          <a:solidFill>
+            <a:srgbClr val="CCCCCC"/>
+          </a:solidFill>
+          <a:ln cap="flat" cmpd="sng" w="9525">
+            <a:solidFill>
+              <a:schemeClr val="dk2"/>
+            </a:solidFill>
+            <a:prstDash val="solid"/>
+            <a:round/>
+            <a:headEnd len="sm" w="sm" type="none"/>
+            <a:tailEnd len="sm" w="sm" type="none"/>
+          </a:ln>
+        </p:spPr>
+        <p:txBody>
+          <a:bodyPr anchorCtr="0" anchor="ctr" bIns="91425" lIns="91425" spcFirstLastPara="1" rIns="91425" wrap="square" tIns="91425">
+            <a:noAutofit/>
+          </a:bodyPr>
+          <a:lstStyle/>
+          <a:p>
+            <a:pPr indent="0" lvl="0" marL="0" rtl="0" algn="l">
+              <a:spcBef>
+                <a:spcPts val="0"/>
+              </a:spcBef>
+              <a:spcAft>
+                <a:spcPts val="0"/>
+              </a:spcAft>
+              <a:buNone/>
+            </a:pPr>
+            <a:r>
+              <a:rPr b="1" lang="en-GB" sz="1200">
+                <a:solidFill>
+                  <a:schemeClr val="dk1"/>
+                </a:solidFill>
+              </a:rPr>
+              <a:t>Evaluate Model</a:t>
+            </a:r>
+            <a:endParaRPr b="1" sz="1200">
+              <a:solidFill>
+                <a:schemeClr val="dk1"/>
+              </a:solidFill>
+            </a:endParaRPr>
+          </a:p>
+        </p:txBody>
+      </p:sp>
+      <p:sp>
+        <p:nvSpPr>
+          <p:cNvPr id="228" name="Google Shape;228;p24"/>
           <p:cNvSpPr/>
           <p:nvPr/>
         </p:nvSpPr>
@@ -8406,7 +10029,7 @@
       </p:sp>
       <p:sp>
         <p:nvSpPr>
-          <p:cNvPr id="192" name="Google Shape;192;p23"/>
+          <p:cNvPr id="229" name="Google Shape;229;p24"/>
           <p:cNvSpPr txBox="1"/>
           <p:nvPr>
             <p:ph type="title"/>
@@ -8446,7 +10069,7 @@
       </p:sp>
       <p:pic>
         <p:nvPicPr>
-          <p:cNvPr id="193" name="Google Shape;193;p23"/>
+          <p:cNvPr id="230" name="Google Shape;230;p24"/>
           <p:cNvPicPr preferRelativeResize="0"/>
           <p:nvPr/>
         </p:nvPicPr>
@@ -8474,7 +10097,7 @@
       </p:pic>
       <p:pic>
         <p:nvPicPr>
-          <p:cNvPr id="194" name="Google Shape;194;p23"/>
+          <p:cNvPr id="231" name="Google Shape;231;p24"/>
           <p:cNvPicPr preferRelativeResize="0"/>
           <p:nvPr/>
         </p:nvPicPr>
@@ -8502,7 +10125,7 @@
       </p:pic>
       <p:sp>
         <p:nvSpPr>
-          <p:cNvPr id="195" name="Google Shape;195;p23"/>
+          <p:cNvPr id="232" name="Google Shape;232;p24"/>
           <p:cNvSpPr txBox="1"/>
           <p:nvPr/>
         </p:nvSpPr>
@@ -8544,7 +10167,7 @@
       </p:sp>
       <p:sp>
         <p:nvSpPr>
-          <p:cNvPr id="196" name="Google Shape;196;p23"/>
+          <p:cNvPr id="233" name="Google Shape;233;p24"/>
           <p:cNvSpPr txBox="1"/>
           <p:nvPr/>
         </p:nvSpPr>
@@ -8592,12 +10215,12 @@
 </p:sld>
 </file>
 
-<file path=ppt/slides/slide12.xml><?xml version="1.0" encoding="utf-8"?>
+<file path=ppt/slides/slide13.xml><?xml version="1.0" encoding="utf-8"?>
 <p:sld xmlns:a="http://schemas.openxmlformats.org/drawingml/2006/main" xmlns:r="http://schemas.openxmlformats.org/officeDocument/2006/relationships" xmlns:mc="http://schemas.openxmlformats.org/markup-compatibility/2006" xmlns:mv="urn:schemas-microsoft-com:mac:vml" xmlns:p="http://schemas.openxmlformats.org/presentationml/2006/main" xmlns:c="http://schemas.openxmlformats.org/drawingml/2006/chart" xmlns:dgm="http://schemas.openxmlformats.org/drawingml/2006/diagram" xmlns:o="urn:schemas-microsoft-com:office:office" xmlns:v="urn:schemas-microsoft-com:vml" xmlns:pvml="urn:schemas-microsoft-com:office:powerpoint" xmlns:com="http://schemas.openxmlformats.org/drawingml/2006/compatibility" xmlns:p14="http://schemas.microsoft.com/office/powerpoint/2010/main" xmlns:p15="http://schemas.microsoft.com/office/powerpoint/2012/main" xmlns:ahyp="http://schemas.microsoft.com/office/drawing/2018/hyperlinkcolor">
   <p:cSld>
     <p:spTree>
       <p:nvGrpSpPr>
-        <p:cNvPr id="200" name="Shape 200"/>
+        <p:cNvPr id="237" name="Shape 237"/>
         <p:cNvGrpSpPr/>
         <p:nvPr/>
       </p:nvGrpSpPr>
@@ -8611,7 +10234,7 @@
       </p:grpSpPr>
       <p:sp>
         <p:nvSpPr>
-          <p:cNvPr id="201" name="Google Shape;201;p24"/>
+          <p:cNvPr id="238" name="Google Shape;238;p25"/>
           <p:cNvSpPr txBox="1"/>
           <p:nvPr>
             <p:ph type="title"/>
@@ -8651,7 +10274,7 @@
       </p:sp>
       <p:sp>
         <p:nvSpPr>
-          <p:cNvPr id="202" name="Google Shape;202;p24"/>
+          <p:cNvPr id="239" name="Google Shape;239;p25"/>
           <p:cNvSpPr txBox="1"/>
           <p:nvPr>
             <p:ph idx="1" type="body"/>
@@ -8688,7 +10311,15 @@
             </a:r>
             <a:r>
               <a:rPr lang="en-GB"/>
-              <a:t>spam posts left over. More thorough cleaning can be done to remove more spam</a:t>
+              <a:t>spam posts left over. M</a:t>
+            </a:r>
+            <a:r>
+              <a:rPr b="1" lang="en-GB"/>
+              <a:t>ore thorough cleaning</a:t>
+            </a:r>
+            <a:r>
+              <a:rPr lang="en-GB"/>
+              <a:t> can be done to remove more spam</a:t>
             </a:r>
             <a:endParaRPr/>
           </a:p>
@@ -8705,7 +10336,15 @@
             </a:pPr>
             <a:r>
               <a:rPr lang="en-GB"/>
-              <a:t>Test out on other models other than Naive Bayes and Random Forest</a:t>
+              <a:t>Test out on </a:t>
+            </a:r>
+            <a:r>
+              <a:rPr b="1" lang="en-GB"/>
+              <a:t>other models</a:t>
+            </a:r>
+            <a:r>
+              <a:rPr lang="en-GB"/>
+              <a:t> other than Naive Bayes and Random Forest</a:t>
             </a:r>
             <a:endParaRPr/>
           </a:p>
@@ -8722,7 +10361,15 @@
             </a:pPr>
             <a:r>
               <a:rPr lang="en-GB"/>
-              <a:t>Explore new features within Reddit such as the upvotes and downvotes, as well as post comments</a:t>
+              <a:t>Explore </a:t>
+            </a:r>
+            <a:r>
+              <a:rPr b="1" lang="en-GB"/>
+              <a:t>new features</a:t>
+            </a:r>
+            <a:r>
+              <a:rPr lang="en-GB"/>
+              <a:t> within Reddit such as the upvotes and downvotes, as well as post comments</a:t>
             </a:r>
             <a:endParaRPr/>
           </a:p>
@@ -8748,6 +10395,354 @@
             <a:r>
               <a:rPr lang="en-GB"/>
               <a:t> datasets. The ROC-AUC curve would also have to be substituted with the Precision Recall curve.</a:t>
+            </a:r>
+            <a:endParaRPr/>
+          </a:p>
+        </p:txBody>
+      </p:sp>
+    </p:spTree>
+  </p:cSld>
+  <p:clrMapOvr>
+    <a:masterClrMapping/>
+  </p:clrMapOvr>
+</p:sld>
+</file>
+
+<file path=ppt/slides/slide14.xml><?xml version="1.0" encoding="utf-8"?>
+<p:sld xmlns:a="http://schemas.openxmlformats.org/drawingml/2006/main" xmlns:r="http://schemas.openxmlformats.org/officeDocument/2006/relationships" xmlns:mc="http://schemas.openxmlformats.org/markup-compatibility/2006" xmlns:mv="urn:schemas-microsoft-com:mac:vml" xmlns:p="http://schemas.openxmlformats.org/presentationml/2006/main" xmlns:c="http://schemas.openxmlformats.org/drawingml/2006/chart" xmlns:dgm="http://schemas.openxmlformats.org/drawingml/2006/diagram" xmlns:o="urn:schemas-microsoft-com:office:office" xmlns:v="urn:schemas-microsoft-com:vml" xmlns:pvml="urn:schemas-microsoft-com:office:powerpoint" xmlns:com="http://schemas.openxmlformats.org/drawingml/2006/compatibility" xmlns:p14="http://schemas.microsoft.com/office/powerpoint/2010/main" xmlns:p15="http://schemas.microsoft.com/office/powerpoint/2012/main" xmlns:ahyp="http://schemas.microsoft.com/office/drawing/2018/hyperlinkcolor">
+  <p:cSld>
+    <p:spTree>
+      <p:nvGrpSpPr>
+        <p:cNvPr id="243" name="Shape 243"/>
+        <p:cNvGrpSpPr/>
+        <p:nvPr/>
+      </p:nvGrpSpPr>
+      <p:grpSpPr>
+        <a:xfrm>
+          <a:off x="0" y="0"/>
+          <a:ext cx="0" cy="0"/>
+          <a:chOff x="0" y="0"/>
+          <a:chExt cx="0" cy="0"/>
+        </a:xfrm>
+      </p:grpSpPr>
+      <p:sp>
+        <p:nvSpPr>
+          <p:cNvPr id="244" name="Google Shape;244;p26"/>
+          <p:cNvSpPr txBox="1"/>
+          <p:nvPr>
+            <p:ph type="title"/>
+          </p:nvPr>
+        </p:nvSpPr>
+        <p:spPr>
+          <a:xfrm>
+            <a:off x="311700" y="64025"/>
+            <a:ext cx="8520600" cy="572700"/>
+          </a:xfrm>
+          <a:prstGeom prst="rect">
+            <a:avLst/>
+          </a:prstGeom>
+        </p:spPr>
+        <p:txBody>
+          <a:bodyPr anchorCtr="0" anchor="t" bIns="91425" lIns="91425" spcFirstLastPara="1" rIns="91425" wrap="square" tIns="91425">
+            <a:normAutofit fontScale="90000"/>
+          </a:bodyPr>
+          <a:lstStyle/>
+          <a:p>
+            <a:pPr indent="0" lvl="0" marL="0" rtl="0" algn="l">
+              <a:spcBef>
+                <a:spcPts val="0"/>
+              </a:spcBef>
+              <a:spcAft>
+                <a:spcPts val="0"/>
+              </a:spcAft>
+              <a:buNone/>
+            </a:pPr>
+            <a:r>
+              <a:rPr b="1" lang="en-GB"/>
+              <a:t>Q&amp;A</a:t>
+            </a:r>
+            <a:endParaRPr b="1"/>
+          </a:p>
+        </p:txBody>
+      </p:sp>
+      <p:sp>
+        <p:nvSpPr>
+          <p:cNvPr id="245" name="Google Shape;245;p26"/>
+          <p:cNvSpPr txBox="1"/>
+          <p:nvPr>
+            <p:ph idx="1" type="body"/>
+          </p:nvPr>
+        </p:nvSpPr>
+        <p:spPr>
+          <a:xfrm>
+            <a:off x="235500" y="619075"/>
+            <a:ext cx="8596800" cy="4125900"/>
+          </a:xfrm>
+          <a:prstGeom prst="rect">
+            <a:avLst/>
+          </a:prstGeom>
+        </p:spPr>
+        <p:txBody>
+          <a:bodyPr anchorCtr="0" anchor="t" bIns="91425" lIns="91425" spcFirstLastPara="1" rIns="91425" wrap="square" tIns="91425">
+            <a:normAutofit/>
+          </a:bodyPr>
+          <a:lstStyle/>
+          <a:p>
+            <a:pPr indent="-342900" lvl="0" marL="457200" rtl="0" algn="l">
+              <a:spcBef>
+                <a:spcPts val="0"/>
+              </a:spcBef>
+              <a:spcAft>
+                <a:spcPts val="1000"/>
+              </a:spcAft>
+              <a:buSzPts val="1800"/>
+              <a:buChar char="●"/>
+            </a:pPr>
+            <a:r>
+              <a:rPr lang="en-GB"/>
+              <a:t>Any questions? Thank you!</a:t>
+            </a:r>
+            <a:endParaRPr/>
+          </a:p>
+        </p:txBody>
+      </p:sp>
+    </p:spTree>
+  </p:cSld>
+  <p:clrMapOvr>
+    <a:masterClrMapping/>
+  </p:clrMapOvr>
+</p:sld>
+</file>
+
+<file path=ppt/slides/slide15.xml><?xml version="1.0" encoding="utf-8"?>
+<p:sld xmlns:a="http://schemas.openxmlformats.org/drawingml/2006/main" xmlns:r="http://schemas.openxmlformats.org/officeDocument/2006/relationships" xmlns:mc="http://schemas.openxmlformats.org/markup-compatibility/2006" xmlns:mv="urn:schemas-microsoft-com:mac:vml" xmlns:p="http://schemas.openxmlformats.org/presentationml/2006/main" xmlns:c="http://schemas.openxmlformats.org/drawingml/2006/chart" xmlns:dgm="http://schemas.openxmlformats.org/drawingml/2006/diagram" xmlns:o="urn:schemas-microsoft-com:office:office" xmlns:v="urn:schemas-microsoft-com:vml" xmlns:pvml="urn:schemas-microsoft-com:office:powerpoint" xmlns:com="http://schemas.openxmlformats.org/drawingml/2006/compatibility" xmlns:p14="http://schemas.microsoft.com/office/powerpoint/2010/main" xmlns:p15="http://schemas.microsoft.com/office/powerpoint/2012/main" xmlns:ahyp="http://schemas.microsoft.com/office/drawing/2018/hyperlinkcolor">
+  <p:cSld>
+    <p:spTree>
+      <p:nvGrpSpPr>
+        <p:cNvPr id="249" name="Shape 249"/>
+        <p:cNvGrpSpPr/>
+        <p:nvPr/>
+      </p:nvGrpSpPr>
+      <p:grpSpPr>
+        <a:xfrm>
+          <a:off x="0" y="0"/>
+          <a:ext cx="0" cy="0"/>
+          <a:chOff x="0" y="0"/>
+          <a:chExt cx="0" cy="0"/>
+        </a:xfrm>
+      </p:grpSpPr>
+      <p:sp>
+        <p:nvSpPr>
+          <p:cNvPr id="250" name="Google Shape;250;p27"/>
+          <p:cNvSpPr txBox="1"/>
+          <p:nvPr>
+            <p:ph type="title"/>
+          </p:nvPr>
+        </p:nvSpPr>
+        <p:spPr>
+          <a:xfrm>
+            <a:off x="311700" y="64025"/>
+            <a:ext cx="8520600" cy="572700"/>
+          </a:xfrm>
+          <a:prstGeom prst="rect">
+            <a:avLst/>
+          </a:prstGeom>
+        </p:spPr>
+        <p:txBody>
+          <a:bodyPr anchorCtr="0" anchor="t" bIns="91425" lIns="91425" spcFirstLastPara="1" rIns="91425" wrap="square" tIns="91425">
+            <a:normAutofit fontScale="90000"/>
+          </a:bodyPr>
+          <a:lstStyle/>
+          <a:p>
+            <a:pPr indent="0" lvl="0" marL="0" rtl="0" algn="l">
+              <a:spcBef>
+                <a:spcPts val="0"/>
+              </a:spcBef>
+              <a:spcAft>
+                <a:spcPts val="0"/>
+              </a:spcAft>
+              <a:buNone/>
+            </a:pPr>
+            <a:r>
+              <a:rPr b="1" lang="en-GB"/>
+              <a:t>Appendix</a:t>
+            </a:r>
+            <a:endParaRPr b="1"/>
+          </a:p>
+        </p:txBody>
+      </p:sp>
+      <p:sp>
+        <p:nvSpPr>
+          <p:cNvPr id="251" name="Google Shape;251;p27"/>
+          <p:cNvSpPr txBox="1"/>
+          <p:nvPr>
+            <p:ph idx="1" type="body"/>
+          </p:nvPr>
+        </p:nvSpPr>
+        <p:spPr>
+          <a:xfrm>
+            <a:off x="235500" y="619075"/>
+            <a:ext cx="8596800" cy="4125900"/>
+          </a:xfrm>
+          <a:prstGeom prst="rect">
+            <a:avLst/>
+          </a:prstGeom>
+        </p:spPr>
+        <p:txBody>
+          <a:bodyPr anchorCtr="0" anchor="t" bIns="91425" lIns="91425" spcFirstLastPara="1" rIns="91425" wrap="square" tIns="91425">
+            <a:normAutofit/>
+          </a:bodyPr>
+          <a:lstStyle/>
+          <a:p>
+            <a:pPr indent="-342900" lvl="0" marL="457200" rtl="0" algn="l">
+              <a:spcBef>
+                <a:spcPts val="0"/>
+              </a:spcBef>
+              <a:spcAft>
+                <a:spcPts val="0"/>
+              </a:spcAft>
+              <a:buSzPts val="1800"/>
+              <a:buChar char="●"/>
+            </a:pPr>
+            <a:r>
+              <a:rPr lang="en-GB"/>
+              <a:t>Random Forest seemed to overfit, generalization is not good.</a:t>
+            </a:r>
+            <a:endParaRPr/>
+          </a:p>
+          <a:p>
+            <a:pPr indent="-342900" lvl="0" marL="457200" rtl="0" algn="l">
+              <a:spcBef>
+                <a:spcPts val="1000"/>
+              </a:spcBef>
+              <a:spcAft>
+                <a:spcPts val="0"/>
+              </a:spcAft>
+              <a:buSzPts val="1800"/>
+              <a:buChar char="●"/>
+            </a:pPr>
+            <a:r>
+              <a:rPr lang="en-GB"/>
+              <a:t>Current hyperparameters tested</a:t>
+            </a:r>
+            <a:endParaRPr/>
+          </a:p>
+          <a:p>
+            <a:pPr indent="-317500" lvl="1" marL="914400" rtl="0" algn="l">
+              <a:spcBef>
+                <a:spcPts val="1000"/>
+              </a:spcBef>
+              <a:spcAft>
+                <a:spcPts val="0"/>
+              </a:spcAft>
+              <a:buSzPts val="1400"/>
+              <a:buChar char="○"/>
+            </a:pPr>
+            <a:r>
+              <a:rPr lang="en-GB"/>
+              <a:t>N_estimators: [100, 150, 200]</a:t>
+            </a:r>
+            <a:endParaRPr/>
+          </a:p>
+          <a:p>
+            <a:pPr indent="-317500" lvl="1" marL="914400" rtl="0" algn="l">
+              <a:spcBef>
+                <a:spcPts val="1000"/>
+              </a:spcBef>
+              <a:spcAft>
+                <a:spcPts val="0"/>
+              </a:spcAft>
+              <a:buSzPts val="1400"/>
+              <a:buChar char="○"/>
+            </a:pPr>
+            <a:r>
+              <a:rPr lang="en-GB"/>
+              <a:t>Max_depth: [None, 1, 3, 5] </a:t>
+            </a:r>
+            <a:endParaRPr/>
+          </a:p>
+          <a:p>
+            <a:pPr indent="-342900" lvl="0" marL="457200" rtl="0" algn="l">
+              <a:spcBef>
+                <a:spcPts val="1000"/>
+              </a:spcBef>
+              <a:spcAft>
+                <a:spcPts val="0"/>
+              </a:spcAft>
+              <a:buSzPts val="1800"/>
+              <a:buChar char="●"/>
+            </a:pPr>
+            <a:r>
+              <a:rPr lang="en-GB"/>
+              <a:t>How to improve?</a:t>
+            </a:r>
+            <a:endParaRPr/>
+          </a:p>
+          <a:p>
+            <a:pPr indent="-317500" lvl="1" marL="914400" rtl="0" algn="l">
+              <a:spcBef>
+                <a:spcPts val="1000"/>
+              </a:spcBef>
+              <a:spcAft>
+                <a:spcPts val="0"/>
+              </a:spcAft>
+              <a:buSzPts val="1400"/>
+              <a:buChar char="○"/>
+            </a:pPr>
+            <a:r>
+              <a:rPr lang="en-GB"/>
+              <a:t>Reduce number of variables sampled at each split (reduce max_features)</a:t>
+            </a:r>
+            <a:endParaRPr/>
+          </a:p>
+          <a:p>
+            <a:pPr indent="-317500" lvl="1" marL="914400" rtl="0" algn="l">
+              <a:spcBef>
+                <a:spcPts val="1000"/>
+              </a:spcBef>
+              <a:spcAft>
+                <a:spcPts val="0"/>
+              </a:spcAft>
+              <a:buSzPts val="1400"/>
+              <a:buChar char="○"/>
+            </a:pPr>
+            <a:r>
+              <a:rPr lang="en-GB"/>
+              <a:t>Use more data</a:t>
+            </a:r>
+            <a:endParaRPr/>
+          </a:p>
+          <a:p>
+            <a:pPr indent="-317500" lvl="1" marL="914400" rtl="0" algn="l">
+              <a:spcBef>
+                <a:spcPts val="1000"/>
+              </a:spcBef>
+              <a:spcAft>
+                <a:spcPts val="0"/>
+              </a:spcAft>
+              <a:buSzPts val="1400"/>
+              <a:buChar char="○"/>
+            </a:pPr>
+            <a:r>
+              <a:rPr lang="en-GB"/>
+              <a:t>Increase the number of n_estimators</a:t>
+            </a:r>
+            <a:endParaRPr/>
+          </a:p>
+          <a:p>
+            <a:pPr indent="-317500" lvl="1" marL="914400" rtl="0" algn="l">
+              <a:spcBef>
+                <a:spcPts val="1000"/>
+              </a:spcBef>
+              <a:spcAft>
+                <a:spcPts val="1000"/>
+              </a:spcAft>
+              <a:buSzPts val="1400"/>
+              <a:buChar char="○"/>
+            </a:pPr>
+            <a:r>
+              <a:rPr lang="en-GB"/>
+              <a:t>Use other hyperparameters such as min_samples_leaf (set &gt;1)</a:t>
             </a:r>
             <a:endParaRPr/>
           </a:p>
@@ -10663,18 +12658,18 @@
         </p:spPr>
         <p:txBody>
           <a:bodyPr anchorCtr="0" anchor="t" bIns="91425" lIns="91425" spcFirstLastPara="1" rIns="91425" wrap="square" tIns="91425">
-            <a:normAutofit fontScale="92500" lnSpcReduction="20000"/>
+            <a:normAutofit lnSpcReduction="10000"/>
           </a:bodyPr>
           <a:lstStyle/>
           <a:p>
-            <a:pPr indent="-334327" lvl="0" marL="457200" rtl="0" algn="l">
-              <a:spcBef>
-                <a:spcPts val="0"/>
-              </a:spcBef>
-              <a:spcAft>
-                <a:spcPts val="0"/>
-              </a:spcAft>
-              <a:buSzPct val="100000"/>
+            <a:pPr indent="-342900" lvl="0" marL="457200" rtl="0" algn="l">
+              <a:spcBef>
+                <a:spcPts val="0"/>
+              </a:spcBef>
+              <a:spcAft>
+                <a:spcPts val="0"/>
+              </a:spcAft>
+              <a:buSzPts val="1800"/>
               <a:buChar char="●"/>
             </a:pPr>
             <a:r>
@@ -10684,14 +12679,14 @@
             <a:endParaRPr/>
           </a:p>
           <a:p>
-            <a:pPr indent="-310832" lvl="1" marL="914400" rtl="0" algn="l">
+            <a:pPr indent="-317500" lvl="1" marL="914400" rtl="0" algn="l">
               <a:spcBef>
                 <a:spcPts val="1000"/>
               </a:spcBef>
               <a:spcAft>
                 <a:spcPts val="0"/>
               </a:spcAft>
-              <a:buSzPct val="100000"/>
+              <a:buSzPts val="1400"/>
               <a:buChar char="○"/>
             </a:pPr>
             <a:r>
@@ -10701,14 +12696,14 @@
             <a:endParaRPr/>
           </a:p>
           <a:p>
-            <a:pPr indent="-334327" lvl="0" marL="457200" rtl="0" algn="l">
+            <a:pPr indent="-342900" lvl="0" marL="457200" rtl="0" algn="l">
               <a:spcBef>
                 <a:spcPts val="1000"/>
               </a:spcBef>
               <a:spcAft>
                 <a:spcPts val="0"/>
               </a:spcAft>
-              <a:buSzPct val="100000"/>
+              <a:buSzPts val="1800"/>
               <a:buChar char="●"/>
             </a:pPr>
             <a:r>
@@ -10718,14 +12713,14 @@
             <a:endParaRPr/>
           </a:p>
           <a:p>
-            <a:pPr indent="-310832" lvl="1" marL="914400" rtl="0" algn="l">
+            <a:pPr indent="-317500" lvl="1" marL="914400" rtl="0" algn="l">
               <a:spcBef>
                 <a:spcPts val="1000"/>
               </a:spcBef>
               <a:spcAft>
                 <a:spcPts val="0"/>
               </a:spcAft>
-              <a:buSzPct val="100000"/>
+              <a:buSzPts val="1400"/>
               <a:buChar char="○"/>
             </a:pPr>
             <a:r>
@@ -10735,14 +12730,14 @@
             <a:endParaRPr/>
           </a:p>
           <a:p>
-            <a:pPr indent="-310832" lvl="1" marL="914400" rtl="0" algn="l">
+            <a:pPr indent="-317500" lvl="1" marL="914400" rtl="0" algn="l">
               <a:spcBef>
                 <a:spcPts val="1000"/>
               </a:spcBef>
               <a:spcAft>
                 <a:spcPts val="0"/>
               </a:spcAft>
-              <a:buSzPct val="100000"/>
+              <a:buSzPts val="1400"/>
               <a:buChar char="○"/>
             </a:pPr>
             <a:r>
@@ -10752,14 +12747,14 @@
             <a:endParaRPr/>
           </a:p>
           <a:p>
-            <a:pPr indent="-334327" lvl="0" marL="457200" rtl="0" algn="l">
+            <a:pPr indent="-342900" lvl="0" marL="457200" rtl="0" algn="l">
               <a:spcBef>
                 <a:spcPts val="1000"/>
               </a:spcBef>
               <a:spcAft>
                 <a:spcPts val="0"/>
               </a:spcAft>
-              <a:buSzPct val="100000"/>
+              <a:buSzPts val="1800"/>
               <a:buChar char="●"/>
             </a:pPr>
             <a:r>
@@ -10769,14 +12764,14 @@
             <a:endParaRPr/>
           </a:p>
           <a:p>
-            <a:pPr indent="-310832" lvl="1" marL="914400" rtl="0" algn="l">
+            <a:pPr indent="-317500" lvl="1" marL="914400" rtl="0" algn="l">
               <a:spcBef>
                 <a:spcPts val="1000"/>
               </a:spcBef>
               <a:spcAft>
                 <a:spcPts val="0"/>
               </a:spcAft>
-              <a:buSzPct val="100000"/>
+              <a:buSzPts val="1400"/>
               <a:buChar char="○"/>
             </a:pPr>
             <a:r>
@@ -10786,34 +12781,19 @@
             <a:endParaRPr/>
           </a:p>
           <a:p>
-            <a:pPr indent="-310832" lvl="1" marL="914400" rtl="0" algn="l">
+            <a:pPr indent="-317500" lvl="1" marL="914400" rtl="0" algn="l">
               <a:spcBef>
                 <a:spcPts val="1000"/>
               </a:spcBef>
               <a:spcAft>
-                <a:spcPts val="0"/>
-              </a:spcAft>
-              <a:buSzPct val="100000"/>
+                <a:spcPts val="1000"/>
+              </a:spcAft>
+              <a:buSzPts val="1400"/>
               <a:buChar char="○"/>
             </a:pPr>
             <a:r>
               <a:rPr lang="en-GB"/>
               <a:t>E.g. riding-&gt; ride, rides -&gt; ride, rider-&gt; ride</a:t>
-            </a:r>
-            <a:endParaRPr/>
-          </a:p>
-          <a:p>
-            <a:pPr indent="0" lvl="0" marL="0" rtl="0" algn="l">
-              <a:spcBef>
-                <a:spcPts val="1000"/>
-              </a:spcBef>
-              <a:spcAft>
-                <a:spcPts val="1200"/>
-              </a:spcAft>
-              <a:buNone/>
-            </a:pPr>
-            <a:r>
-              <a:t/>
             </a:r>
             <a:endParaRPr/>
           </a:p>
@@ -11255,7 +13235,7 @@
         <p:spPr>
           <a:xfrm>
             <a:off x="311700" y="619075"/>
-            <a:ext cx="5760300" cy="2640000"/>
+            <a:ext cx="5376900" cy="3513000"/>
           </a:xfrm>
           <a:prstGeom prst="rect">
             <a:avLst/>
@@ -11263,7 +13243,7 @@
         </p:spPr>
         <p:txBody>
           <a:bodyPr anchorCtr="0" anchor="t" bIns="91425" lIns="91425" spcFirstLastPara="1" rIns="91425" wrap="square" tIns="91425">
-            <a:normAutofit lnSpcReduction="10000"/>
+            <a:normAutofit/>
           </a:bodyPr>
           <a:lstStyle/>
           <a:p>
@@ -11792,8 +13772,8 @@
         </p:blipFill>
         <p:spPr>
           <a:xfrm>
-            <a:off x="6333325" y="345025"/>
-            <a:ext cx="2196350" cy="1374639"/>
+            <a:off x="5688725" y="345025"/>
+            <a:ext cx="2840950" cy="1778092"/>
           </a:xfrm>
           <a:prstGeom prst="rect">
             <a:avLst/>
@@ -11820,8 +13800,8 @@
         </p:blipFill>
         <p:spPr>
           <a:xfrm>
-            <a:off x="6333319" y="1884425"/>
-            <a:ext cx="2196368" cy="1374650"/>
+            <a:off x="5688722" y="2237500"/>
+            <a:ext cx="2840950" cy="1778092"/>
           </a:xfrm>
           <a:prstGeom prst="rect">
             <a:avLst/>
@@ -12400,6 +14380,808 @@
           </a:p>
         </p:txBody>
       </p:sp>
+      <p:sp>
+        <p:nvSpPr>
+          <p:cNvPr id="142" name="Google Shape;142;p19"/>
+          <p:cNvSpPr/>
+          <p:nvPr/>
+        </p:nvSpPr>
+        <p:spPr>
+          <a:xfrm>
+            <a:off x="5014425" y="1821700"/>
+            <a:ext cx="903000" cy="529500"/>
+          </a:xfrm>
+          <a:prstGeom prst="rect">
+            <a:avLst/>
+          </a:prstGeom>
+          <a:solidFill>
+            <a:schemeClr val="lt2"/>
+          </a:solidFill>
+          <a:ln cap="flat" cmpd="sng" w="9525">
+            <a:solidFill>
+              <a:schemeClr val="dk2"/>
+            </a:solidFill>
+            <a:prstDash val="solid"/>
+            <a:round/>
+            <a:headEnd len="sm" w="sm" type="none"/>
+            <a:tailEnd len="sm" w="sm" type="none"/>
+          </a:ln>
+        </p:spPr>
+        <p:txBody>
+          <a:bodyPr anchorCtr="0" anchor="ctr" bIns="91425" lIns="91425" spcFirstLastPara="1" rIns="91425" wrap="square" tIns="91425">
+            <a:noAutofit/>
+          </a:bodyPr>
+          <a:lstStyle/>
+          <a:p>
+            <a:pPr indent="0" lvl="0" marL="0" rtl="0" algn="ctr">
+              <a:spcBef>
+                <a:spcPts val="0"/>
+              </a:spcBef>
+              <a:spcAft>
+                <a:spcPts val="0"/>
+              </a:spcAft>
+              <a:buNone/>
+            </a:pPr>
+            <a:r>
+              <a:rPr lang="en-GB"/>
+              <a:t>Tokens</a:t>
+            </a:r>
+            <a:endParaRPr/>
+          </a:p>
+        </p:txBody>
+      </p:sp>
+      <p:sp>
+        <p:nvSpPr>
+          <p:cNvPr id="143" name="Google Shape;143;p19"/>
+          <p:cNvSpPr/>
+          <p:nvPr/>
+        </p:nvSpPr>
+        <p:spPr>
+          <a:xfrm>
+            <a:off x="5014425" y="2432263"/>
+            <a:ext cx="903000" cy="529500"/>
+          </a:xfrm>
+          <a:prstGeom prst="rect">
+            <a:avLst/>
+          </a:prstGeom>
+          <a:solidFill>
+            <a:schemeClr val="lt2"/>
+          </a:solidFill>
+          <a:ln cap="flat" cmpd="sng" w="9525">
+            <a:solidFill>
+              <a:schemeClr val="dk2"/>
+            </a:solidFill>
+            <a:prstDash val="solid"/>
+            <a:round/>
+            <a:headEnd len="sm" w="sm" type="none"/>
+            <a:tailEnd len="sm" w="sm" type="none"/>
+          </a:ln>
+        </p:spPr>
+        <p:txBody>
+          <a:bodyPr anchorCtr="0" anchor="ctr" bIns="91425" lIns="91425" spcFirstLastPara="1" rIns="91425" wrap="square" tIns="91425">
+            <a:noAutofit/>
+          </a:bodyPr>
+          <a:lstStyle/>
+          <a:p>
+            <a:pPr indent="0" lvl="0" marL="0" rtl="0" algn="ctr">
+              <a:spcBef>
+                <a:spcPts val="0"/>
+              </a:spcBef>
+              <a:spcAft>
+                <a:spcPts val="0"/>
+              </a:spcAft>
+              <a:buNone/>
+            </a:pPr>
+            <a:r>
+              <a:rPr lang="en-GB"/>
+              <a:t>Stems</a:t>
+            </a:r>
+            <a:endParaRPr/>
+          </a:p>
+        </p:txBody>
+      </p:sp>
+      <p:sp>
+        <p:nvSpPr>
+          <p:cNvPr id="144" name="Google Shape;144;p19"/>
+          <p:cNvSpPr/>
+          <p:nvPr/>
+        </p:nvSpPr>
+        <p:spPr>
+          <a:xfrm>
+            <a:off x="5014425" y="3042825"/>
+            <a:ext cx="903000" cy="529500"/>
+          </a:xfrm>
+          <a:prstGeom prst="rect">
+            <a:avLst/>
+          </a:prstGeom>
+          <a:solidFill>
+            <a:schemeClr val="lt2"/>
+          </a:solidFill>
+          <a:ln cap="flat" cmpd="sng" w="9525">
+            <a:solidFill>
+              <a:schemeClr val="dk2"/>
+            </a:solidFill>
+            <a:prstDash val="solid"/>
+            <a:round/>
+            <a:headEnd len="sm" w="sm" type="none"/>
+            <a:tailEnd len="sm" w="sm" type="none"/>
+          </a:ln>
+        </p:spPr>
+        <p:txBody>
+          <a:bodyPr anchorCtr="0" anchor="ctr" bIns="91425" lIns="91425" spcFirstLastPara="1" rIns="91425" wrap="square" tIns="91425">
+            <a:noAutofit/>
+          </a:bodyPr>
+          <a:lstStyle/>
+          <a:p>
+            <a:pPr indent="0" lvl="0" marL="0" rtl="0" algn="ctr">
+              <a:spcBef>
+                <a:spcPts val="0"/>
+              </a:spcBef>
+              <a:spcAft>
+                <a:spcPts val="0"/>
+              </a:spcAft>
+              <a:buNone/>
+            </a:pPr>
+            <a:r>
+              <a:rPr lang="en-GB"/>
+              <a:t>Lems</a:t>
+            </a:r>
+            <a:endParaRPr/>
+          </a:p>
+        </p:txBody>
+      </p:sp>
+      <p:sp>
+        <p:nvSpPr>
+          <p:cNvPr id="145" name="Google Shape;145;p19"/>
+          <p:cNvSpPr/>
+          <p:nvPr/>
+        </p:nvSpPr>
+        <p:spPr>
+          <a:xfrm>
+            <a:off x="6438325" y="1695425"/>
+            <a:ext cx="1073100" cy="472200"/>
+          </a:xfrm>
+          <a:prstGeom prst="rect">
+            <a:avLst/>
+          </a:prstGeom>
+          <a:solidFill>
+            <a:schemeClr val="lt2"/>
+          </a:solidFill>
+          <a:ln cap="flat" cmpd="sng" w="9525">
+            <a:solidFill>
+              <a:schemeClr val="dk2"/>
+            </a:solidFill>
+            <a:prstDash val="solid"/>
+            <a:round/>
+            <a:headEnd len="sm" w="sm" type="none"/>
+            <a:tailEnd len="sm" w="sm" type="none"/>
+          </a:ln>
+        </p:spPr>
+        <p:txBody>
+          <a:bodyPr anchorCtr="0" anchor="ctr" bIns="91425" lIns="91425" spcFirstLastPara="1" rIns="91425" wrap="square" tIns="91425">
+            <a:noAutofit/>
+          </a:bodyPr>
+          <a:lstStyle/>
+          <a:p>
+            <a:pPr indent="0" lvl="0" marL="0" rtl="0" algn="ctr">
+              <a:spcBef>
+                <a:spcPts val="0"/>
+              </a:spcBef>
+              <a:spcAft>
+                <a:spcPts val="0"/>
+              </a:spcAft>
+              <a:buNone/>
+            </a:pPr>
+            <a:r>
+              <a:rPr lang="en-GB"/>
+              <a:t>Model 1</a:t>
+            </a:r>
+            <a:endParaRPr/>
+          </a:p>
+        </p:txBody>
+      </p:sp>
+      <p:sp>
+        <p:nvSpPr>
+          <p:cNvPr id="146" name="Google Shape;146;p19"/>
+          <p:cNvSpPr/>
+          <p:nvPr/>
+        </p:nvSpPr>
+        <p:spPr>
+          <a:xfrm>
+            <a:off x="6438325" y="2296333"/>
+            <a:ext cx="1073100" cy="472200"/>
+          </a:xfrm>
+          <a:prstGeom prst="rect">
+            <a:avLst/>
+          </a:prstGeom>
+          <a:solidFill>
+            <a:schemeClr val="lt2"/>
+          </a:solidFill>
+          <a:ln cap="flat" cmpd="sng" w="9525">
+            <a:solidFill>
+              <a:schemeClr val="dk2"/>
+            </a:solidFill>
+            <a:prstDash val="solid"/>
+            <a:round/>
+            <a:headEnd len="sm" w="sm" type="none"/>
+            <a:tailEnd len="sm" w="sm" type="none"/>
+          </a:ln>
+        </p:spPr>
+        <p:txBody>
+          <a:bodyPr anchorCtr="0" anchor="ctr" bIns="91425" lIns="91425" spcFirstLastPara="1" rIns="91425" wrap="square" tIns="91425">
+            <a:noAutofit/>
+          </a:bodyPr>
+          <a:lstStyle/>
+          <a:p>
+            <a:pPr indent="0" lvl="0" marL="0" rtl="0" algn="ctr">
+              <a:spcBef>
+                <a:spcPts val="0"/>
+              </a:spcBef>
+              <a:spcAft>
+                <a:spcPts val="0"/>
+              </a:spcAft>
+              <a:buNone/>
+            </a:pPr>
+            <a:r>
+              <a:rPr lang="en-GB"/>
+              <a:t>Model 2</a:t>
+            </a:r>
+            <a:endParaRPr/>
+          </a:p>
+        </p:txBody>
+      </p:sp>
+      <p:sp>
+        <p:nvSpPr>
+          <p:cNvPr id="147" name="Google Shape;147;p19"/>
+          <p:cNvSpPr/>
+          <p:nvPr/>
+        </p:nvSpPr>
+        <p:spPr>
+          <a:xfrm>
+            <a:off x="6438325" y="2897242"/>
+            <a:ext cx="1073100" cy="472200"/>
+          </a:xfrm>
+          <a:prstGeom prst="rect">
+            <a:avLst/>
+          </a:prstGeom>
+          <a:solidFill>
+            <a:schemeClr val="lt2"/>
+          </a:solidFill>
+          <a:ln cap="flat" cmpd="sng" w="9525">
+            <a:solidFill>
+              <a:schemeClr val="dk2"/>
+            </a:solidFill>
+            <a:prstDash val="solid"/>
+            <a:round/>
+            <a:headEnd len="sm" w="sm" type="none"/>
+            <a:tailEnd len="sm" w="sm" type="none"/>
+          </a:ln>
+        </p:spPr>
+        <p:txBody>
+          <a:bodyPr anchorCtr="0" anchor="ctr" bIns="91425" lIns="91425" spcFirstLastPara="1" rIns="91425" wrap="square" tIns="91425">
+            <a:noAutofit/>
+          </a:bodyPr>
+          <a:lstStyle/>
+          <a:p>
+            <a:pPr indent="0" lvl="0" marL="0" rtl="0" algn="ctr">
+              <a:spcBef>
+                <a:spcPts val="0"/>
+              </a:spcBef>
+              <a:spcAft>
+                <a:spcPts val="0"/>
+              </a:spcAft>
+              <a:buNone/>
+            </a:pPr>
+            <a:r>
+              <a:rPr lang="en-GB"/>
+              <a:t>Model 3</a:t>
+            </a:r>
+            <a:endParaRPr/>
+          </a:p>
+        </p:txBody>
+      </p:sp>
+      <p:sp>
+        <p:nvSpPr>
+          <p:cNvPr id="148" name="Google Shape;148;p19"/>
+          <p:cNvSpPr/>
+          <p:nvPr/>
+        </p:nvSpPr>
+        <p:spPr>
+          <a:xfrm>
+            <a:off x="6438325" y="3498150"/>
+            <a:ext cx="1073100" cy="472200"/>
+          </a:xfrm>
+          <a:prstGeom prst="rect">
+            <a:avLst/>
+          </a:prstGeom>
+          <a:solidFill>
+            <a:schemeClr val="lt2"/>
+          </a:solidFill>
+          <a:ln cap="flat" cmpd="sng" w="9525">
+            <a:solidFill>
+              <a:schemeClr val="dk2"/>
+            </a:solidFill>
+            <a:prstDash val="solid"/>
+            <a:round/>
+            <a:headEnd len="sm" w="sm" type="none"/>
+            <a:tailEnd len="sm" w="sm" type="none"/>
+          </a:ln>
+        </p:spPr>
+        <p:txBody>
+          <a:bodyPr anchorCtr="0" anchor="ctr" bIns="91425" lIns="91425" spcFirstLastPara="1" rIns="91425" wrap="square" tIns="91425">
+            <a:noAutofit/>
+          </a:bodyPr>
+          <a:lstStyle/>
+          <a:p>
+            <a:pPr indent="0" lvl="0" marL="0" rtl="0" algn="ctr">
+              <a:spcBef>
+                <a:spcPts val="0"/>
+              </a:spcBef>
+              <a:spcAft>
+                <a:spcPts val="0"/>
+              </a:spcAft>
+              <a:buNone/>
+            </a:pPr>
+            <a:r>
+              <a:rPr lang="en-GB"/>
+              <a:t>Model 4</a:t>
+            </a:r>
+            <a:endParaRPr/>
+          </a:p>
+        </p:txBody>
+      </p:sp>
+      <p:sp>
+        <p:nvSpPr>
+          <p:cNvPr id="149" name="Google Shape;149;p19"/>
+          <p:cNvSpPr/>
+          <p:nvPr/>
+        </p:nvSpPr>
+        <p:spPr>
+          <a:xfrm>
+            <a:off x="7516675" y="1716875"/>
+            <a:ext cx="228900" cy="2253600"/>
+          </a:xfrm>
+          <a:prstGeom prst="rightBrace">
+            <a:avLst>
+              <a:gd fmla="val 50000" name="adj1"/>
+              <a:gd fmla="val 50155" name="adj2"/>
+            </a:avLst>
+          </a:prstGeom>
+          <a:noFill/>
+          <a:ln cap="flat" cmpd="sng" w="38100">
+            <a:solidFill>
+              <a:schemeClr val="dk1"/>
+            </a:solidFill>
+            <a:prstDash val="solid"/>
+            <a:round/>
+            <a:headEnd len="sm" w="sm" type="none"/>
+            <a:tailEnd len="sm" w="sm" type="none"/>
+          </a:ln>
+        </p:spPr>
+        <p:txBody>
+          <a:bodyPr anchorCtr="0" anchor="ctr" bIns="91425" lIns="91425" spcFirstLastPara="1" rIns="91425" wrap="square" tIns="91425">
+            <a:noAutofit/>
+          </a:bodyPr>
+          <a:lstStyle/>
+          <a:p>
+            <a:pPr indent="0" lvl="0" marL="0" rtl="0" algn="l">
+              <a:spcBef>
+                <a:spcPts val="0"/>
+              </a:spcBef>
+              <a:spcAft>
+                <a:spcPts val="0"/>
+              </a:spcAft>
+              <a:buNone/>
+            </a:pPr>
+            <a:r>
+              <a:t/>
+            </a:r>
+            <a:endParaRPr>
+              <a:highlight>
+                <a:schemeClr val="dk1"/>
+              </a:highlight>
+            </a:endParaRPr>
+          </a:p>
+        </p:txBody>
+      </p:sp>
+      <p:sp>
+        <p:nvSpPr>
+          <p:cNvPr id="150" name="Google Shape;150;p19"/>
+          <p:cNvSpPr txBox="1"/>
+          <p:nvPr/>
+        </p:nvSpPr>
+        <p:spPr>
+          <a:xfrm>
+            <a:off x="7750825" y="2535875"/>
+            <a:ext cx="1073100" cy="615600"/>
+          </a:xfrm>
+          <a:prstGeom prst="rect">
+            <a:avLst/>
+          </a:prstGeom>
+          <a:noFill/>
+          <a:ln>
+            <a:noFill/>
+          </a:ln>
+        </p:spPr>
+        <p:txBody>
+          <a:bodyPr anchorCtr="0" anchor="t" bIns="91425" lIns="91425" spcFirstLastPara="1" rIns="91425" wrap="square" tIns="91425">
+            <a:spAutoFit/>
+          </a:bodyPr>
+          <a:lstStyle/>
+          <a:p>
+            <a:pPr indent="0" lvl="0" marL="0" rtl="0" algn="ctr">
+              <a:spcBef>
+                <a:spcPts val="0"/>
+              </a:spcBef>
+              <a:spcAft>
+                <a:spcPts val="0"/>
+              </a:spcAft>
+              <a:buNone/>
+            </a:pPr>
+            <a:r>
+              <a:rPr b="1" lang="en-GB">
+                <a:solidFill>
+                  <a:schemeClr val="dk1"/>
+                </a:solidFill>
+              </a:rPr>
+              <a:t>Compare results</a:t>
+            </a:r>
+            <a:endParaRPr b="1">
+              <a:solidFill>
+                <a:schemeClr val="dk1"/>
+              </a:solidFill>
+            </a:endParaRPr>
+          </a:p>
+        </p:txBody>
+      </p:sp>
+      <p:cxnSp>
+        <p:nvCxnSpPr>
+          <p:cNvPr id="151" name="Google Shape;151;p19"/>
+          <p:cNvCxnSpPr>
+            <a:stCxn id="142" idx="3"/>
+            <a:endCxn id="145" idx="1"/>
+          </p:cNvCxnSpPr>
+          <p:nvPr/>
+        </p:nvCxnSpPr>
+        <p:spPr>
+          <a:xfrm flipH="1" rot="10800000">
+            <a:off x="5917425" y="1931650"/>
+            <a:ext cx="520800" cy="154800"/>
+          </a:xfrm>
+          <a:prstGeom prst="straightConnector1">
+            <a:avLst/>
+          </a:prstGeom>
+          <a:noFill/>
+          <a:ln cap="flat" cmpd="sng" w="19050">
+            <a:solidFill>
+              <a:schemeClr val="dk1"/>
+            </a:solidFill>
+            <a:prstDash val="solid"/>
+            <a:round/>
+            <a:headEnd len="med" w="med" type="none"/>
+            <a:tailEnd len="med" w="med" type="triangle"/>
+          </a:ln>
+        </p:spPr>
+      </p:cxnSp>
+      <p:cxnSp>
+        <p:nvCxnSpPr>
+          <p:cNvPr id="152" name="Google Shape;152;p19"/>
+          <p:cNvCxnSpPr>
+            <a:stCxn id="142" idx="3"/>
+            <a:endCxn id="146" idx="1"/>
+          </p:cNvCxnSpPr>
+          <p:nvPr/>
+        </p:nvCxnSpPr>
+        <p:spPr>
+          <a:xfrm>
+            <a:off x="5917425" y="2086450"/>
+            <a:ext cx="520800" cy="446100"/>
+          </a:xfrm>
+          <a:prstGeom prst="straightConnector1">
+            <a:avLst/>
+          </a:prstGeom>
+          <a:noFill/>
+          <a:ln cap="flat" cmpd="sng" w="19050">
+            <a:solidFill>
+              <a:schemeClr val="dk1"/>
+            </a:solidFill>
+            <a:prstDash val="solid"/>
+            <a:round/>
+            <a:headEnd len="med" w="med" type="none"/>
+            <a:tailEnd len="med" w="med" type="triangle"/>
+          </a:ln>
+        </p:spPr>
+      </p:cxnSp>
+      <p:cxnSp>
+        <p:nvCxnSpPr>
+          <p:cNvPr id="153" name="Google Shape;153;p19"/>
+          <p:cNvCxnSpPr>
+            <a:stCxn id="142" idx="3"/>
+            <a:endCxn id="147" idx="1"/>
+          </p:cNvCxnSpPr>
+          <p:nvPr/>
+        </p:nvCxnSpPr>
+        <p:spPr>
+          <a:xfrm>
+            <a:off x="5917425" y="2086450"/>
+            <a:ext cx="520800" cy="1047000"/>
+          </a:xfrm>
+          <a:prstGeom prst="straightConnector1">
+            <a:avLst/>
+          </a:prstGeom>
+          <a:noFill/>
+          <a:ln cap="flat" cmpd="sng" w="19050">
+            <a:solidFill>
+              <a:schemeClr val="dk1"/>
+            </a:solidFill>
+            <a:prstDash val="solid"/>
+            <a:round/>
+            <a:headEnd len="med" w="med" type="none"/>
+            <a:tailEnd len="med" w="med" type="triangle"/>
+          </a:ln>
+        </p:spPr>
+      </p:cxnSp>
+      <p:cxnSp>
+        <p:nvCxnSpPr>
+          <p:cNvPr id="154" name="Google Shape;154;p19"/>
+          <p:cNvCxnSpPr>
+            <a:stCxn id="142" idx="3"/>
+            <a:endCxn id="148" idx="1"/>
+          </p:cNvCxnSpPr>
+          <p:nvPr/>
+        </p:nvCxnSpPr>
+        <p:spPr>
+          <a:xfrm>
+            <a:off x="5917425" y="2086450"/>
+            <a:ext cx="520800" cy="1647900"/>
+          </a:xfrm>
+          <a:prstGeom prst="straightConnector1">
+            <a:avLst/>
+          </a:prstGeom>
+          <a:noFill/>
+          <a:ln cap="flat" cmpd="sng" w="19050">
+            <a:solidFill>
+              <a:schemeClr val="dk1"/>
+            </a:solidFill>
+            <a:prstDash val="solid"/>
+            <a:round/>
+            <a:headEnd len="med" w="med" type="none"/>
+            <a:tailEnd len="med" w="med" type="triangle"/>
+          </a:ln>
+        </p:spPr>
+      </p:cxnSp>
+      <p:cxnSp>
+        <p:nvCxnSpPr>
+          <p:cNvPr id="155" name="Google Shape;155;p19"/>
+          <p:cNvCxnSpPr>
+            <a:stCxn id="143" idx="3"/>
+            <a:endCxn id="145" idx="1"/>
+          </p:cNvCxnSpPr>
+          <p:nvPr/>
+        </p:nvCxnSpPr>
+        <p:spPr>
+          <a:xfrm flipH="1" rot="10800000">
+            <a:off x="5917425" y="1931413"/>
+            <a:ext cx="520800" cy="765600"/>
+          </a:xfrm>
+          <a:prstGeom prst="straightConnector1">
+            <a:avLst/>
+          </a:prstGeom>
+          <a:noFill/>
+          <a:ln cap="flat" cmpd="sng" w="19050">
+            <a:solidFill>
+              <a:srgbClr val="00FFFF"/>
+            </a:solidFill>
+            <a:prstDash val="solid"/>
+            <a:round/>
+            <a:headEnd len="med" w="med" type="none"/>
+            <a:tailEnd len="med" w="med" type="triangle"/>
+          </a:ln>
+        </p:spPr>
+      </p:cxnSp>
+      <p:cxnSp>
+        <p:nvCxnSpPr>
+          <p:cNvPr id="156" name="Google Shape;156;p19"/>
+          <p:cNvCxnSpPr>
+            <a:stCxn id="143" idx="3"/>
+            <a:endCxn id="146" idx="1"/>
+          </p:cNvCxnSpPr>
+          <p:nvPr/>
+        </p:nvCxnSpPr>
+        <p:spPr>
+          <a:xfrm flipH="1" rot="10800000">
+            <a:off x="5917425" y="2532313"/>
+            <a:ext cx="520800" cy="164700"/>
+          </a:xfrm>
+          <a:prstGeom prst="straightConnector1">
+            <a:avLst/>
+          </a:prstGeom>
+          <a:noFill/>
+          <a:ln cap="flat" cmpd="sng" w="19050">
+            <a:solidFill>
+              <a:srgbClr val="00FFFF"/>
+            </a:solidFill>
+            <a:prstDash val="solid"/>
+            <a:round/>
+            <a:headEnd len="med" w="med" type="none"/>
+            <a:tailEnd len="med" w="med" type="triangle"/>
+          </a:ln>
+        </p:spPr>
+      </p:cxnSp>
+      <p:cxnSp>
+        <p:nvCxnSpPr>
+          <p:cNvPr id="157" name="Google Shape;157;p19"/>
+          <p:cNvCxnSpPr>
+            <a:stCxn id="143" idx="3"/>
+            <a:endCxn id="147" idx="1"/>
+          </p:cNvCxnSpPr>
+          <p:nvPr/>
+        </p:nvCxnSpPr>
+        <p:spPr>
+          <a:xfrm>
+            <a:off x="5917425" y="2697013"/>
+            <a:ext cx="520800" cy="436200"/>
+          </a:xfrm>
+          <a:prstGeom prst="straightConnector1">
+            <a:avLst/>
+          </a:prstGeom>
+          <a:noFill/>
+          <a:ln cap="flat" cmpd="sng" w="19050">
+            <a:solidFill>
+              <a:srgbClr val="00FFFF"/>
+            </a:solidFill>
+            <a:prstDash val="solid"/>
+            <a:round/>
+            <a:headEnd len="med" w="med" type="none"/>
+            <a:tailEnd len="med" w="med" type="triangle"/>
+          </a:ln>
+        </p:spPr>
+      </p:cxnSp>
+      <p:cxnSp>
+        <p:nvCxnSpPr>
+          <p:cNvPr id="158" name="Google Shape;158;p19"/>
+          <p:cNvCxnSpPr>
+            <a:stCxn id="143" idx="3"/>
+            <a:endCxn id="148" idx="1"/>
+          </p:cNvCxnSpPr>
+          <p:nvPr/>
+        </p:nvCxnSpPr>
+        <p:spPr>
+          <a:xfrm>
+            <a:off x="5917425" y="2697013"/>
+            <a:ext cx="520800" cy="1037100"/>
+          </a:xfrm>
+          <a:prstGeom prst="straightConnector1">
+            <a:avLst/>
+          </a:prstGeom>
+          <a:noFill/>
+          <a:ln cap="flat" cmpd="sng" w="19050">
+            <a:solidFill>
+              <a:srgbClr val="00FFFF"/>
+            </a:solidFill>
+            <a:prstDash val="solid"/>
+            <a:round/>
+            <a:headEnd len="med" w="med" type="none"/>
+            <a:tailEnd len="med" w="med" type="triangle"/>
+          </a:ln>
+        </p:spPr>
+      </p:cxnSp>
+      <p:cxnSp>
+        <p:nvCxnSpPr>
+          <p:cNvPr id="159" name="Google Shape;159;p19"/>
+          <p:cNvCxnSpPr>
+            <a:stCxn id="144" idx="3"/>
+            <a:endCxn id="145" idx="1"/>
+          </p:cNvCxnSpPr>
+          <p:nvPr/>
+        </p:nvCxnSpPr>
+        <p:spPr>
+          <a:xfrm flipH="1" rot="10800000">
+            <a:off x="5917425" y="1931475"/>
+            <a:ext cx="520800" cy="1376100"/>
+          </a:xfrm>
+          <a:prstGeom prst="straightConnector1">
+            <a:avLst/>
+          </a:prstGeom>
+          <a:noFill/>
+          <a:ln cap="flat" cmpd="sng" w="19050">
+            <a:solidFill>
+              <a:srgbClr val="FFFF00"/>
+            </a:solidFill>
+            <a:prstDash val="solid"/>
+            <a:round/>
+            <a:headEnd len="med" w="med" type="none"/>
+            <a:tailEnd len="med" w="med" type="triangle"/>
+          </a:ln>
+        </p:spPr>
+      </p:cxnSp>
+      <p:cxnSp>
+        <p:nvCxnSpPr>
+          <p:cNvPr id="160" name="Google Shape;160;p19"/>
+          <p:cNvCxnSpPr>
+            <a:stCxn id="144" idx="3"/>
+            <a:endCxn id="146" idx="1"/>
+          </p:cNvCxnSpPr>
+          <p:nvPr/>
+        </p:nvCxnSpPr>
+        <p:spPr>
+          <a:xfrm flipH="1" rot="10800000">
+            <a:off x="5917425" y="2532375"/>
+            <a:ext cx="520800" cy="775200"/>
+          </a:xfrm>
+          <a:prstGeom prst="straightConnector1">
+            <a:avLst/>
+          </a:prstGeom>
+          <a:noFill/>
+          <a:ln cap="flat" cmpd="sng" w="19050">
+            <a:solidFill>
+              <a:srgbClr val="FFFF00"/>
+            </a:solidFill>
+            <a:prstDash val="solid"/>
+            <a:round/>
+            <a:headEnd len="med" w="med" type="none"/>
+            <a:tailEnd len="med" w="med" type="triangle"/>
+          </a:ln>
+        </p:spPr>
+      </p:cxnSp>
+      <p:cxnSp>
+        <p:nvCxnSpPr>
+          <p:cNvPr id="161" name="Google Shape;161;p19"/>
+          <p:cNvCxnSpPr>
+            <a:stCxn id="144" idx="3"/>
+            <a:endCxn id="147" idx="1"/>
+          </p:cNvCxnSpPr>
+          <p:nvPr/>
+        </p:nvCxnSpPr>
+        <p:spPr>
+          <a:xfrm flipH="1" rot="10800000">
+            <a:off x="5917425" y="3133275"/>
+            <a:ext cx="520800" cy="174300"/>
+          </a:xfrm>
+          <a:prstGeom prst="straightConnector1">
+            <a:avLst/>
+          </a:prstGeom>
+          <a:noFill/>
+          <a:ln cap="flat" cmpd="sng" w="19050">
+            <a:solidFill>
+              <a:srgbClr val="FFFF00"/>
+            </a:solidFill>
+            <a:prstDash val="solid"/>
+            <a:round/>
+            <a:headEnd len="med" w="med" type="none"/>
+            <a:tailEnd len="med" w="med" type="triangle"/>
+          </a:ln>
+        </p:spPr>
+      </p:cxnSp>
+      <p:cxnSp>
+        <p:nvCxnSpPr>
+          <p:cNvPr id="162" name="Google Shape;162;p19"/>
+          <p:cNvCxnSpPr>
+            <a:stCxn id="144" idx="3"/>
+            <a:endCxn id="148" idx="1"/>
+          </p:cNvCxnSpPr>
+          <p:nvPr/>
+        </p:nvCxnSpPr>
+        <p:spPr>
+          <a:xfrm>
+            <a:off x="5917425" y="3307575"/>
+            <a:ext cx="520800" cy="426600"/>
+          </a:xfrm>
+          <a:prstGeom prst="straightConnector1">
+            <a:avLst/>
+          </a:prstGeom>
+          <a:noFill/>
+          <a:ln cap="flat" cmpd="sng" w="19050">
+            <a:solidFill>
+              <a:srgbClr val="FFFF00"/>
+            </a:solidFill>
+            <a:prstDash val="solid"/>
+            <a:round/>
+            <a:headEnd len="med" w="med" type="none"/>
+            <a:tailEnd len="med" w="med" type="triangle"/>
+          </a:ln>
+        </p:spPr>
+      </p:cxnSp>
     </p:spTree>
   </p:cSld>
   <p:clrMapOvr>
@@ -12413,7 +15195,7 @@
   <p:cSld>
     <p:spTree>
       <p:nvGrpSpPr>
-        <p:cNvPr id="145" name="Shape 145"/>
+        <p:cNvPr id="166" name="Shape 166"/>
         <p:cNvGrpSpPr/>
         <p:nvPr/>
       </p:nvGrpSpPr>
@@ -12427,7 +15209,7 @@
       </p:grpSpPr>
       <p:sp>
         <p:nvSpPr>
-          <p:cNvPr id="146" name="Google Shape;146;p20"/>
+          <p:cNvPr id="167" name="Google Shape;167;p20"/>
           <p:cNvSpPr txBox="1"/>
           <p:nvPr>
             <p:ph idx="1" type="body"/>
@@ -12523,7 +15305,7 @@
       </p:sp>
       <p:sp>
         <p:nvSpPr>
-          <p:cNvPr id="147" name="Google Shape;147;p20"/>
+          <p:cNvPr id="168" name="Google Shape;168;p20"/>
           <p:cNvSpPr/>
           <p:nvPr/>
         </p:nvSpPr>
@@ -12583,7 +15365,7 @@
       </p:sp>
       <p:sp>
         <p:nvSpPr>
-          <p:cNvPr id="148" name="Google Shape;148;p20"/>
+          <p:cNvPr id="169" name="Google Shape;169;p20"/>
           <p:cNvSpPr/>
           <p:nvPr/>
         </p:nvSpPr>
@@ -12643,7 +15425,7 @@
       </p:sp>
       <p:sp>
         <p:nvSpPr>
-          <p:cNvPr id="149" name="Google Shape;149;p20"/>
+          <p:cNvPr id="170" name="Google Shape;170;p20"/>
           <p:cNvSpPr/>
           <p:nvPr/>
         </p:nvSpPr>
@@ -12703,7 +15485,7 @@
       </p:sp>
       <p:sp>
         <p:nvSpPr>
-          <p:cNvPr id="150" name="Google Shape;150;p20"/>
+          <p:cNvPr id="171" name="Google Shape;171;p20"/>
           <p:cNvSpPr/>
           <p:nvPr/>
         </p:nvSpPr>
@@ -12763,7 +15545,7 @@
       </p:sp>
       <p:sp>
         <p:nvSpPr>
-          <p:cNvPr id="151" name="Google Shape;151;p20"/>
+          <p:cNvPr id="172" name="Google Shape;172;p20"/>
           <p:cNvSpPr/>
           <p:nvPr/>
         </p:nvSpPr>
@@ -12823,7 +15605,7 @@
       </p:sp>
       <p:sp>
         <p:nvSpPr>
-          <p:cNvPr id="152" name="Google Shape;152;p20"/>
+          <p:cNvPr id="173" name="Google Shape;173;p20"/>
           <p:cNvSpPr/>
           <p:nvPr/>
         </p:nvSpPr>
@@ -12883,7 +15665,7 @@
       </p:sp>
       <p:sp>
         <p:nvSpPr>
-          <p:cNvPr id="153" name="Google Shape;153;p20"/>
+          <p:cNvPr id="174" name="Google Shape;174;p20"/>
           <p:cNvSpPr txBox="1"/>
           <p:nvPr>
             <p:ph type="title"/>
@@ -12923,7 +15705,7 @@
       </p:sp>
       <p:pic>
         <p:nvPicPr>
-          <p:cNvPr id="154" name="Google Shape;154;p20"/>
+          <p:cNvPr id="175" name="Google Shape;175;p20"/>
           <p:cNvPicPr preferRelativeResize="0"/>
           <p:nvPr/>
         </p:nvPicPr>
@@ -12937,8 +15719,36 @@
         </p:blipFill>
         <p:spPr>
           <a:xfrm>
-            <a:off x="4903725" y="410875"/>
-            <a:ext cx="4025425" cy="3435500"/>
+            <a:off x="4839900" y="789125"/>
+            <a:ext cx="3860806" cy="3376500"/>
+          </a:xfrm>
+          <a:prstGeom prst="rect">
+            <a:avLst/>
+          </a:prstGeom>
+          <a:noFill/>
+          <a:ln>
+            <a:noFill/>
+          </a:ln>
+        </p:spPr>
+      </p:pic>
+      <p:pic>
+        <p:nvPicPr>
+          <p:cNvPr id="176" name="Google Shape;176;p20"/>
+          <p:cNvPicPr preferRelativeResize="0"/>
+          <p:nvPr/>
+        </p:nvPicPr>
+        <p:blipFill>
+          <a:blip r:embed="rId4">
+            <a:alphaModFix/>
+          </a:blip>
+          <a:stretch>
+            <a:fillRect/>
+          </a:stretch>
+        </p:blipFill>
+        <p:spPr>
+          <a:xfrm>
+            <a:off x="7119375" y="2571750"/>
+            <a:ext cx="1318350" cy="922850"/>
           </a:xfrm>
           <a:prstGeom prst="rect">
             <a:avLst/>
@@ -12962,7 +15772,7 @@
   <p:cSld>
     <p:spTree>
       <p:nvGrpSpPr>
-        <p:cNvPr id="158" name="Shape 158"/>
+        <p:cNvPr id="180" name="Shape 180"/>
         <p:cNvGrpSpPr/>
         <p:nvPr/>
       </p:nvGrpSpPr>
@@ -12976,7 +15786,7 @@
       </p:grpSpPr>
       <p:sp>
         <p:nvSpPr>
-          <p:cNvPr id="159" name="Google Shape;159;p21"/>
+          <p:cNvPr id="181" name="Google Shape;181;p21"/>
           <p:cNvSpPr txBox="1"/>
           <p:nvPr>
             <p:ph idx="1" type="body"/>
@@ -13017,7 +15827,7 @@
       </p:sp>
       <p:sp>
         <p:nvSpPr>
-          <p:cNvPr id="160" name="Google Shape;160;p21"/>
+          <p:cNvPr id="182" name="Google Shape;182;p21"/>
           <p:cNvSpPr/>
           <p:nvPr/>
         </p:nvSpPr>
@@ -13077,7 +15887,7 @@
       </p:sp>
       <p:sp>
         <p:nvSpPr>
-          <p:cNvPr id="161" name="Google Shape;161;p21"/>
+          <p:cNvPr id="183" name="Google Shape;183;p21"/>
           <p:cNvSpPr/>
           <p:nvPr/>
         </p:nvSpPr>
@@ -13137,7 +15947,7 @@
       </p:sp>
       <p:sp>
         <p:nvSpPr>
-          <p:cNvPr id="162" name="Google Shape;162;p21"/>
+          <p:cNvPr id="184" name="Google Shape;184;p21"/>
           <p:cNvSpPr/>
           <p:nvPr/>
         </p:nvSpPr>
@@ -13197,7 +16007,7 @@
       </p:sp>
       <p:sp>
         <p:nvSpPr>
-          <p:cNvPr id="163" name="Google Shape;163;p21"/>
+          <p:cNvPr id="185" name="Google Shape;185;p21"/>
           <p:cNvSpPr/>
           <p:nvPr/>
         </p:nvSpPr>
@@ -13257,7 +16067,7 @@
       </p:sp>
       <p:sp>
         <p:nvSpPr>
-          <p:cNvPr id="164" name="Google Shape;164;p21"/>
+          <p:cNvPr id="186" name="Google Shape;186;p21"/>
           <p:cNvSpPr/>
           <p:nvPr/>
         </p:nvSpPr>
@@ -13317,7 +16127,7 @@
       </p:sp>
       <p:sp>
         <p:nvSpPr>
-          <p:cNvPr id="165" name="Google Shape;165;p21"/>
+          <p:cNvPr id="187" name="Google Shape;187;p21"/>
           <p:cNvSpPr/>
           <p:nvPr/>
         </p:nvSpPr>
@@ -13377,7 +16187,7 @@
       </p:sp>
       <p:sp>
         <p:nvSpPr>
-          <p:cNvPr id="166" name="Google Shape;166;p21"/>
+          <p:cNvPr id="188" name="Google Shape;188;p21"/>
           <p:cNvSpPr txBox="1"/>
           <p:nvPr>
             <p:ph type="title"/>
@@ -13417,7 +16227,7 @@
       </p:sp>
       <p:graphicFrame>
         <p:nvGraphicFramePr>
-          <p:cNvPr id="167" name="Google Shape;167;p21"/>
+          <p:cNvPr id="189" name="Google Shape;189;p21"/>
           <p:cNvGraphicFramePr/>
           <p:nvPr/>
         </p:nvGraphicFramePr>
@@ -13430,7 +16240,7 @@
             <a:tbl>
               <a:tblPr>
                 <a:noFill/>
-                <a:tableStyleId>{B95C7D98-7BC2-4D2C-9B90-3A103885D3D6}</a:tableStyleId>
+                <a:tableStyleId>{943CDEA6-37A4-46F4-B061-8982E8EDF4D7}</a:tableStyleId>
               </a:tblPr>
               <a:tblGrid>
                 <a:gridCol w="1445425"/>
@@ -14730,6 +17540,285 @@
 </file>
 
 <file path=ppt/theme/theme1.xml><?xml version="1.0" encoding="utf-8"?>
+<a:theme xmlns:a="http://schemas.openxmlformats.org/drawingml/2006/main" xmlns:r="http://schemas.openxmlformats.org/officeDocument/2006/relationships">
+  <a:themeElements>
+    <a:clrScheme name="Default">
+      <a:dk1>
+        <a:srgbClr val="000000"/>
+      </a:dk1>
+      <a:lt1>
+        <a:srgbClr val="FFFFFF"/>
+      </a:lt1>
+      <a:dk2>
+        <a:srgbClr val="158158"/>
+      </a:dk2>
+      <a:lt2>
+        <a:srgbClr val="F3F3F3"/>
+      </a:lt2>
+      <a:accent1>
+        <a:srgbClr val="058DC7"/>
+      </a:accent1>
+      <a:accent2>
+        <a:srgbClr val="50B432"/>
+      </a:accent2>
+      <a:accent3>
+        <a:srgbClr val="ED561B"/>
+      </a:accent3>
+      <a:accent4>
+        <a:srgbClr val="EDEF00"/>
+      </a:accent4>
+      <a:accent5>
+        <a:srgbClr val="24CBE5"/>
+      </a:accent5>
+      <a:accent6>
+        <a:srgbClr val="64E572"/>
+      </a:accent6>
+      <a:hlink>
+        <a:srgbClr val="2200CC"/>
+      </a:hlink>
+      <a:folHlink>
+        <a:srgbClr val="551A8B"/>
+      </a:folHlink>
+    </a:clrScheme>
+    <a:fontScheme name="Office">
+      <a:majorFont>
+        <a:latin typeface="Arial"/>
+        <a:ea typeface=""/>
+        <a:cs typeface=""/>
+        <a:font script="Jpan" typeface="ＭＳ Ｐゴシック"/>
+        <a:font script="Hang" typeface="맑은 고딕"/>
+        <a:font script="Hans" typeface="宋体"/>
+        <a:font script="Hant" typeface="新細明體"/>
+        <a:font script="Arab" typeface="Times New Roman"/>
+        <a:font script="Hebr" typeface="Times New Roman"/>
+        <a:font script="Thai" typeface="Angsana New"/>
+        <a:font script="Ethi" typeface="Nyala"/>
+        <a:font script="Beng" typeface="Vrinda"/>
+        <a:font script="Gujr" typeface="Shruti"/>
+        <a:font script="Khmr" typeface="MoolBoran"/>
+        <a:font script="Knda" typeface="Tunga"/>
+        <a:font script="Guru" typeface="Raavi"/>
+        <a:font script="Cans" typeface="Euphemia"/>
+        <a:font script="Cher" typeface="Plantagenet Cherokee"/>
+        <a:font script="Yiii" typeface="Microsoft Yi Baiti"/>
+        <a:font script="Tibt" typeface="Microsoft Himalaya"/>
+        <a:font script="Thaa" typeface="MV Boli"/>
+        <a:font script="Deva" typeface="Mangal"/>
+        <a:font script="Telu" typeface="Gautami"/>
+        <a:font script="Taml" typeface="Latha"/>
+        <a:font script="Syrc" typeface="Estrangelo Edessa"/>
+        <a:font script="Orya" typeface="Kalinga"/>
+        <a:font script="Mlym" typeface="Kartika"/>
+        <a:font script="Laoo" typeface="DokChampa"/>
+        <a:font script="Sinh" typeface="Iskoola Pota"/>
+        <a:font script="Mong" typeface="Mongolian Baiti"/>
+        <a:font script="Viet" typeface="Times New Roman"/>
+        <a:font script="Uigh" typeface="Microsoft Uighur"/>
+        <a:font script="Geor" typeface="Sylfaen"/>
+      </a:majorFont>
+      <a:minorFont>
+        <a:latin typeface="Arial"/>
+        <a:ea typeface=""/>
+        <a:cs typeface=""/>
+        <a:font script="Jpan" typeface="ＭＳ Ｐゴシック"/>
+        <a:font script="Hang" typeface="맑은 고딕"/>
+        <a:font script="Hans" typeface="宋体"/>
+        <a:font script="Hant" typeface="新細明體"/>
+        <a:font script="Arab" typeface="Arial"/>
+        <a:font script="Hebr" typeface="Arial"/>
+        <a:font script="Thai" typeface="Cordia New"/>
+        <a:font script="Ethi" typeface="Nyala"/>
+        <a:font script="Beng" typeface="Vrinda"/>
+        <a:font script="Gujr" typeface="Shruti"/>
+        <a:font script="Khmr" typeface="DaunPenh"/>
+        <a:font script="Knda" typeface="Tunga"/>
+        <a:font script="Guru" typeface="Raavi"/>
+        <a:font script="Cans" typeface="Euphemia"/>
+        <a:font script="Cher" typeface="Plantagenet Cherokee"/>
+        <a:font script="Yiii" typeface="Microsoft Yi Baiti"/>
+        <a:font script="Tibt" typeface="Microsoft Himalaya"/>
+        <a:font script="Thaa" typeface="MV Boli"/>
+        <a:font script="Deva" typeface="Mangal"/>
+        <a:font script="Telu" typeface="Gautami"/>
+        <a:font script="Taml" typeface="Latha"/>
+        <a:font script="Syrc" typeface="Estrangelo Edessa"/>
+        <a:font script="Orya" typeface="Kalinga"/>
+        <a:font script="Mlym" typeface="Kartika"/>
+        <a:font script="Laoo" typeface="DokChampa"/>
+        <a:font script="Sinh" typeface="Iskoola Pota"/>
+        <a:font script="Mong" typeface="Mongolian Baiti"/>
+        <a:font script="Viet" typeface="Arial"/>
+        <a:font script="Uigh" typeface="Microsoft Uighur"/>
+        <a:font script="Geor" typeface="Sylfaen"/>
+      </a:minorFont>
+    </a:fontScheme>
+    <a:fmtScheme name="Office">
+      <a:fillStyleLst>
+        <a:solidFill>
+          <a:schemeClr val="phClr"/>
+        </a:solidFill>
+        <a:gradFill rotWithShape="1">
+          <a:gsLst>
+            <a:gs pos="0">
+              <a:schemeClr val="phClr">
+                <a:tint val="50000"/>
+                <a:satMod val="300000"/>
+              </a:schemeClr>
+            </a:gs>
+            <a:gs pos="35000">
+              <a:schemeClr val="phClr">
+                <a:tint val="37000"/>
+                <a:satMod val="300000"/>
+              </a:schemeClr>
+            </a:gs>
+            <a:gs pos="100000">
+              <a:schemeClr val="phClr">
+                <a:tint val="15000"/>
+                <a:satMod val="350000"/>
+              </a:schemeClr>
+            </a:gs>
+          </a:gsLst>
+          <a:lin ang="16200000" scaled="1"/>
+        </a:gradFill>
+        <a:gradFill rotWithShape="1">
+          <a:gsLst>
+            <a:gs pos="0">
+              <a:schemeClr val="phClr">
+                <a:tint val="100000"/>
+                <a:shade val="100000"/>
+                <a:satMod val="130000"/>
+              </a:schemeClr>
+            </a:gs>
+            <a:gs pos="100000">
+              <a:schemeClr val="phClr">
+                <a:tint val="50000"/>
+                <a:shade val="100000"/>
+                <a:satMod val="350000"/>
+              </a:schemeClr>
+            </a:gs>
+          </a:gsLst>
+          <a:lin ang="16200000" scaled="0"/>
+        </a:gradFill>
+      </a:fillStyleLst>
+      <a:lnStyleLst>
+        <a:ln w="9525" cap="flat" cmpd="sng" algn="ctr">
+          <a:solidFill>
+            <a:schemeClr val="phClr">
+              <a:shade val="95000"/>
+              <a:satMod val="105000"/>
+            </a:schemeClr>
+          </a:solidFill>
+          <a:prstDash val="solid"/>
+        </a:ln>
+        <a:ln w="25400" cap="flat" cmpd="sng" algn="ctr">
+          <a:solidFill>
+            <a:schemeClr val="phClr"/>
+          </a:solidFill>
+          <a:prstDash val="solid"/>
+        </a:ln>
+        <a:ln w="38100" cap="flat" cmpd="sng" algn="ctr">
+          <a:solidFill>
+            <a:schemeClr val="phClr"/>
+          </a:solidFill>
+          <a:prstDash val="solid"/>
+        </a:ln>
+      </a:lnStyleLst>
+      <a:effectStyleLst>
+        <a:effectStyle>
+          <a:effectLst>
+            <a:outerShdw blurRad="40000" dist="20000" dir="5400000" rotWithShape="0">
+              <a:srgbClr val="000000">
+                <a:alpha val="38000"/>
+              </a:srgbClr>
+            </a:outerShdw>
+          </a:effectLst>
+        </a:effectStyle>
+        <a:effectStyle>
+          <a:effectLst>
+            <a:outerShdw blurRad="40000" dist="23000" dir="5400000" rotWithShape="0">
+              <a:srgbClr val="000000">
+                <a:alpha val="35000"/>
+              </a:srgbClr>
+            </a:outerShdw>
+          </a:effectLst>
+        </a:effectStyle>
+        <a:effectStyle>
+          <a:effectLst>
+            <a:outerShdw blurRad="40000" dist="23000" dir="5400000" rotWithShape="0">
+              <a:srgbClr val="000000">
+                <a:alpha val="35000"/>
+              </a:srgbClr>
+            </a:outerShdw>
+          </a:effectLst>
+          <a:scene3d>
+            <a:camera prst="orthographicFront">
+              <a:rot lat="0" lon="0" rev="0"/>
+            </a:camera>
+            <a:lightRig rig="threePt" dir="t">
+              <a:rot lat="0" lon="0" rev="1200000"/>
+            </a:lightRig>
+          </a:scene3d>
+          <a:sp3d>
+            <a:bevelT w="63500" h="25400"/>
+          </a:sp3d>
+        </a:effectStyle>
+      </a:effectStyleLst>
+      <a:bgFillStyleLst>
+        <a:solidFill>
+          <a:schemeClr val="phClr"/>
+        </a:solidFill>
+        <a:gradFill rotWithShape="1">
+          <a:gsLst>
+            <a:gs pos="0">
+              <a:schemeClr val="phClr">
+                <a:tint val="40000"/>
+                <a:satMod val="350000"/>
+              </a:schemeClr>
+            </a:gs>
+            <a:gs pos="40000">
+              <a:schemeClr val="phClr">
+                <a:tint val="45000"/>
+                <a:shade val="99000"/>
+                <a:satMod val="350000"/>
+              </a:schemeClr>
+            </a:gs>
+            <a:gs pos="100000">
+              <a:schemeClr val="phClr">
+                <a:shade val="20000"/>
+                <a:satMod val="255000"/>
+              </a:schemeClr>
+            </a:gs>
+          </a:gsLst>
+          <a:path path="circle">
+            <a:fillToRect l="50000" t="-80000" r="50000" b="180000"/>
+          </a:path>
+        </a:gradFill>
+        <a:gradFill rotWithShape="1">
+          <a:gsLst>
+            <a:gs pos="0">
+              <a:schemeClr val="phClr">
+                <a:tint val="80000"/>
+                <a:satMod val="300000"/>
+              </a:schemeClr>
+            </a:gs>
+            <a:gs pos="100000">
+              <a:schemeClr val="phClr">
+                <a:shade val="30000"/>
+                <a:satMod val="200000"/>
+              </a:schemeClr>
+            </a:gs>
+          </a:gsLst>
+          <a:path path="circle">
+            <a:fillToRect l="50000" t="50000" r="50000" b="50000"/>
+          </a:path>
+        </a:gradFill>
+      </a:bgFillStyleLst>
+    </a:fmtScheme>
+  </a:themeElements>
+</a:theme>
+</file>
+
+<file path=ppt/theme/theme2.xml><?xml version="1.0" encoding="utf-8"?>
 <a:theme xmlns:a="http://schemas.openxmlformats.org/drawingml/2006/main" xmlns:r="http://schemas.openxmlformats.org/officeDocument/2006/relationships" name="Simple Dark">
   <a:themeElements>
     <a:clrScheme name="Simple Dark">
@@ -15006,283 +18095,4 @@
     </a:fmtScheme>
   </a:themeElements>
 </a:theme>
-</file>
-
-<file path=ppt/theme/theme2.xml><?xml version="1.0" encoding="utf-8"?>
-<a:theme xmlns:a="http://schemas.openxmlformats.org/drawingml/2006/main" xmlns:r="http://schemas.openxmlformats.org/officeDocument/2006/relationships">
-  <a:themeElements>
-    <a:clrScheme name="Default">
-      <a:dk1>
-        <a:srgbClr val="000000"/>
-      </a:dk1>
-      <a:lt1>
-        <a:srgbClr val="FFFFFF"/>
-      </a:lt1>
-      <a:dk2>
-        <a:srgbClr val="158158"/>
-      </a:dk2>
-      <a:lt2>
-        <a:srgbClr val="F3F3F3"/>
-      </a:lt2>
-      <a:accent1>
-        <a:srgbClr val="058DC7"/>
-      </a:accent1>
-      <a:accent2>
-        <a:srgbClr val="50B432"/>
-      </a:accent2>
-      <a:accent3>
-        <a:srgbClr val="ED561B"/>
-      </a:accent3>
-      <a:accent4>
-        <a:srgbClr val="EDEF00"/>
-      </a:accent4>
-      <a:accent5>
-        <a:srgbClr val="24CBE5"/>
-      </a:accent5>
-      <a:accent6>
-        <a:srgbClr val="64E572"/>
-      </a:accent6>
-      <a:hlink>
-        <a:srgbClr val="2200CC"/>
-      </a:hlink>
-      <a:folHlink>
-        <a:srgbClr val="551A8B"/>
-      </a:folHlink>
-    </a:clrScheme>
-    <a:fontScheme name="Office">
-      <a:majorFont>
-        <a:latin typeface="Arial"/>
-        <a:ea typeface=""/>
-        <a:cs typeface=""/>
-        <a:font script="Jpan" typeface="ＭＳ Ｐゴシック"/>
-        <a:font script="Hang" typeface="맑은 고딕"/>
-        <a:font script="Hans" typeface="宋体"/>
-        <a:font script="Hant" typeface="新細明體"/>
-        <a:font script="Arab" typeface="Times New Roman"/>
-        <a:font script="Hebr" typeface="Times New Roman"/>
-        <a:font script="Thai" typeface="Angsana New"/>
-        <a:font script="Ethi" typeface="Nyala"/>
-        <a:font script="Beng" typeface="Vrinda"/>
-        <a:font script="Gujr" typeface="Shruti"/>
-        <a:font script="Khmr" typeface="MoolBoran"/>
-        <a:font script="Knda" typeface="Tunga"/>
-        <a:font script="Guru" typeface="Raavi"/>
-        <a:font script="Cans" typeface="Euphemia"/>
-        <a:font script="Cher" typeface="Plantagenet Cherokee"/>
-        <a:font script="Yiii" typeface="Microsoft Yi Baiti"/>
-        <a:font script="Tibt" typeface="Microsoft Himalaya"/>
-        <a:font script="Thaa" typeface="MV Boli"/>
-        <a:font script="Deva" typeface="Mangal"/>
-        <a:font script="Telu" typeface="Gautami"/>
-        <a:font script="Taml" typeface="Latha"/>
-        <a:font script="Syrc" typeface="Estrangelo Edessa"/>
-        <a:font script="Orya" typeface="Kalinga"/>
-        <a:font script="Mlym" typeface="Kartika"/>
-        <a:font script="Laoo" typeface="DokChampa"/>
-        <a:font script="Sinh" typeface="Iskoola Pota"/>
-        <a:font script="Mong" typeface="Mongolian Baiti"/>
-        <a:font script="Viet" typeface="Times New Roman"/>
-        <a:font script="Uigh" typeface="Microsoft Uighur"/>
-        <a:font script="Geor" typeface="Sylfaen"/>
-      </a:majorFont>
-      <a:minorFont>
-        <a:latin typeface="Arial"/>
-        <a:ea typeface=""/>
-        <a:cs typeface=""/>
-        <a:font script="Jpan" typeface="ＭＳ Ｐゴシック"/>
-        <a:font script="Hang" typeface="맑은 고딕"/>
-        <a:font script="Hans" typeface="宋体"/>
-        <a:font script="Hant" typeface="新細明體"/>
-        <a:font script="Arab" typeface="Arial"/>
-        <a:font script="Hebr" typeface="Arial"/>
-        <a:font script="Thai" typeface="Cordia New"/>
-        <a:font script="Ethi" typeface="Nyala"/>
-        <a:font script="Beng" typeface="Vrinda"/>
-        <a:font script="Gujr" typeface="Shruti"/>
-        <a:font script="Khmr" typeface="DaunPenh"/>
-        <a:font script="Knda" typeface="Tunga"/>
-        <a:font script="Guru" typeface="Raavi"/>
-        <a:font script="Cans" typeface="Euphemia"/>
-        <a:font script="Cher" typeface="Plantagenet Cherokee"/>
-        <a:font script="Yiii" typeface="Microsoft Yi Baiti"/>
-        <a:font script="Tibt" typeface="Microsoft Himalaya"/>
-        <a:font script="Thaa" typeface="MV Boli"/>
-        <a:font script="Deva" typeface="Mangal"/>
-        <a:font script="Telu" typeface="Gautami"/>
-        <a:font script="Taml" typeface="Latha"/>
-        <a:font script="Syrc" typeface="Estrangelo Edessa"/>
-        <a:font script="Orya" typeface="Kalinga"/>
-        <a:font script="Mlym" typeface="Kartika"/>
-        <a:font script="Laoo" typeface="DokChampa"/>
-        <a:font script="Sinh" typeface="Iskoola Pota"/>
-        <a:font script="Mong" typeface="Mongolian Baiti"/>
-        <a:font script="Viet" typeface="Arial"/>
-        <a:font script="Uigh" typeface="Microsoft Uighur"/>
-        <a:font script="Geor" typeface="Sylfaen"/>
-      </a:minorFont>
-    </a:fontScheme>
-    <a:fmtScheme name="Office">
-      <a:fillStyleLst>
-        <a:solidFill>
-          <a:schemeClr val="phClr"/>
-        </a:solidFill>
-        <a:gradFill rotWithShape="1">
-          <a:gsLst>
-            <a:gs pos="0">
-              <a:schemeClr val="phClr">
-                <a:tint val="50000"/>
-                <a:satMod val="300000"/>
-              </a:schemeClr>
-            </a:gs>
-            <a:gs pos="35000">
-              <a:schemeClr val="phClr">
-                <a:tint val="37000"/>
-                <a:satMod val="300000"/>
-              </a:schemeClr>
-            </a:gs>
-            <a:gs pos="100000">
-              <a:schemeClr val="phClr">
-                <a:tint val="15000"/>
-                <a:satMod val="350000"/>
-              </a:schemeClr>
-            </a:gs>
-          </a:gsLst>
-          <a:lin ang="16200000" scaled="1"/>
-        </a:gradFill>
-        <a:gradFill rotWithShape="1">
-          <a:gsLst>
-            <a:gs pos="0">
-              <a:schemeClr val="phClr">
-                <a:tint val="100000"/>
-                <a:shade val="100000"/>
-                <a:satMod val="130000"/>
-              </a:schemeClr>
-            </a:gs>
-            <a:gs pos="100000">
-              <a:schemeClr val="phClr">
-                <a:tint val="50000"/>
-                <a:shade val="100000"/>
-                <a:satMod val="350000"/>
-              </a:schemeClr>
-            </a:gs>
-          </a:gsLst>
-          <a:lin ang="16200000" scaled="0"/>
-        </a:gradFill>
-      </a:fillStyleLst>
-      <a:lnStyleLst>
-        <a:ln w="9525" cap="flat" cmpd="sng" algn="ctr">
-          <a:solidFill>
-            <a:schemeClr val="phClr">
-              <a:shade val="95000"/>
-              <a:satMod val="105000"/>
-            </a:schemeClr>
-          </a:solidFill>
-          <a:prstDash val="solid"/>
-        </a:ln>
-        <a:ln w="25400" cap="flat" cmpd="sng" algn="ctr">
-          <a:solidFill>
-            <a:schemeClr val="phClr"/>
-          </a:solidFill>
-          <a:prstDash val="solid"/>
-        </a:ln>
-        <a:ln w="38100" cap="flat" cmpd="sng" algn="ctr">
-          <a:solidFill>
-            <a:schemeClr val="phClr"/>
-          </a:solidFill>
-          <a:prstDash val="solid"/>
-        </a:ln>
-      </a:lnStyleLst>
-      <a:effectStyleLst>
-        <a:effectStyle>
-          <a:effectLst>
-            <a:outerShdw blurRad="40000" dist="20000" dir="5400000" rotWithShape="0">
-              <a:srgbClr val="000000">
-                <a:alpha val="38000"/>
-              </a:srgbClr>
-            </a:outerShdw>
-          </a:effectLst>
-        </a:effectStyle>
-        <a:effectStyle>
-          <a:effectLst>
-            <a:outerShdw blurRad="40000" dist="23000" dir="5400000" rotWithShape="0">
-              <a:srgbClr val="000000">
-                <a:alpha val="35000"/>
-              </a:srgbClr>
-            </a:outerShdw>
-          </a:effectLst>
-        </a:effectStyle>
-        <a:effectStyle>
-          <a:effectLst>
-            <a:outerShdw blurRad="40000" dist="23000" dir="5400000" rotWithShape="0">
-              <a:srgbClr val="000000">
-                <a:alpha val="35000"/>
-              </a:srgbClr>
-            </a:outerShdw>
-          </a:effectLst>
-          <a:scene3d>
-            <a:camera prst="orthographicFront">
-              <a:rot lat="0" lon="0" rev="0"/>
-            </a:camera>
-            <a:lightRig rig="threePt" dir="t">
-              <a:rot lat="0" lon="0" rev="1200000"/>
-            </a:lightRig>
-          </a:scene3d>
-          <a:sp3d>
-            <a:bevelT w="63500" h="25400"/>
-          </a:sp3d>
-        </a:effectStyle>
-      </a:effectStyleLst>
-      <a:bgFillStyleLst>
-        <a:solidFill>
-          <a:schemeClr val="phClr"/>
-        </a:solidFill>
-        <a:gradFill rotWithShape="1">
-          <a:gsLst>
-            <a:gs pos="0">
-              <a:schemeClr val="phClr">
-                <a:tint val="40000"/>
-                <a:satMod val="350000"/>
-              </a:schemeClr>
-            </a:gs>
-            <a:gs pos="40000">
-              <a:schemeClr val="phClr">
-                <a:tint val="45000"/>
-                <a:shade val="99000"/>
-                <a:satMod val="350000"/>
-              </a:schemeClr>
-            </a:gs>
-            <a:gs pos="100000">
-              <a:schemeClr val="phClr">
-                <a:shade val="20000"/>
-                <a:satMod val="255000"/>
-              </a:schemeClr>
-            </a:gs>
-          </a:gsLst>
-          <a:path path="circle">
-            <a:fillToRect l="50000" t="-80000" r="50000" b="180000"/>
-          </a:path>
-        </a:gradFill>
-        <a:gradFill rotWithShape="1">
-          <a:gsLst>
-            <a:gs pos="0">
-              <a:schemeClr val="phClr">
-                <a:tint val="80000"/>
-                <a:satMod val="300000"/>
-              </a:schemeClr>
-            </a:gs>
-            <a:gs pos="100000">
-              <a:schemeClr val="phClr">
-                <a:shade val="30000"/>
-                <a:satMod val="200000"/>
-              </a:schemeClr>
-            </a:gs>
-          </a:gsLst>
-          <a:path path="circle">
-            <a:fillToRect l="50000" t="50000" r="50000" b="50000"/>
-          </a:path>
-        </a:gradFill>
-      </a:bgFillStyleLst>
-    </a:fmtScheme>
-  </a:themeElements>
-</a:theme>
 </file>